--- a/FinalPresentation.pptx
+++ b/FinalPresentation.pptx
@@ -6,9 +6,11 @@
   </p:sldMasterIdLst>
   <p:sldIdLst>
     <p:sldId id="256" r:id="rId5"/>
-    <p:sldId id="257" r:id="rId6"/>
-    <p:sldId id="258" r:id="rId7"/>
-    <p:sldId id="259" r:id="rId8"/>
+    <p:sldId id="260" r:id="rId6"/>
+    <p:sldId id="261" r:id="rId7"/>
+    <p:sldId id="262" r:id="rId8"/>
+    <p:sldId id="264" r:id="rId9"/>
+    <p:sldId id="263" r:id="rId10"/>
   </p:sldIdLst>
   <p:sldSz cx="12192000" cy="6858000"/>
   <p:notesSz cx="6858000" cy="9144000"/>
@@ -107,7 +109,209 @@
       </a:defRPr>
     </a:lvl9pPr>
   </p:defaultTextStyle>
+  <p:extLst>
+    <p:ext uri="{EFAFB233-063F-42B5-8137-9DF3F51BA10A}">
+      <p15:sldGuideLst xmlns:p15="http://schemas.microsoft.com/office/powerpoint/2012/main"/>
+    </p:ext>
+  </p:extLst>
 </p:presentation>
+</file>
+
+<file path=ppt/revisionInfo.xml><?xml version="1.0" encoding="utf-8"?>
+<p1510:revInfo xmlns:a="http://schemas.openxmlformats.org/drawingml/2006/main" xmlns:r="http://schemas.openxmlformats.org/officeDocument/2006/relationships" xmlns:p1510="http://schemas.microsoft.com/office/powerpoint/2015/10/main">
+  <p1510:revLst>
+    <p1510:client id="{2EEAA0BF-6729-41C4-9972-E4984054A3A9}" v="10" dt="2020-02-13T14:36:59.142"/>
+  </p1510:revLst>
+</p1510:revInfo>
+</file>
+
+<file path=ppt/changesInfos/changesInfo1.xml><?xml version="1.0" encoding="utf-8"?>
+<pc:chgInfo xmlns:a="http://schemas.openxmlformats.org/drawingml/2006/main" xmlns:r="http://schemas.openxmlformats.org/officeDocument/2006/relationships" xmlns:ac="http://schemas.microsoft.com/office/drawing/2013/main/command" xmlns:pc="http://schemas.microsoft.com/office/powerpoint/2013/main/command">
+  <pc:docChgLst>
+    <pc:chgData name="Florian Bregler" userId="509c3410-11d6-49f1-b320-97c10c7ffd0c" providerId="ADAL" clId="{2EEAA0BF-6729-41C4-9972-E4984054A3A9}"/>
+    <pc:docChg chg="undo custSel addSld delSld modSld">
+      <pc:chgData name="Florian Bregler" userId="509c3410-11d6-49f1-b320-97c10c7ffd0c" providerId="ADAL" clId="{2EEAA0BF-6729-41C4-9972-E4984054A3A9}" dt="2020-02-13T14:38:15.231" v="812" actId="20577"/>
+      <pc:docMkLst>
+        <pc:docMk/>
+      </pc:docMkLst>
+      <pc:sldChg chg="modSp">
+        <pc:chgData name="Florian Bregler" userId="509c3410-11d6-49f1-b320-97c10c7ffd0c" providerId="ADAL" clId="{2EEAA0BF-6729-41C4-9972-E4984054A3A9}" dt="2020-02-13T14:25:02.071" v="80" actId="20577"/>
+        <pc:sldMkLst>
+          <pc:docMk/>
+          <pc:sldMk cId="548060570" sldId="256"/>
+        </pc:sldMkLst>
+        <pc:spChg chg="mod">
+          <ac:chgData name="Florian Bregler" userId="509c3410-11d6-49f1-b320-97c10c7ffd0c" providerId="ADAL" clId="{2EEAA0BF-6729-41C4-9972-E4984054A3A9}" dt="2020-02-13T14:23:14.656" v="16" actId="20577"/>
+          <ac:spMkLst>
+            <pc:docMk/>
+            <pc:sldMk cId="548060570" sldId="256"/>
+            <ac:spMk id="2" creationId="{EDE4644E-F7D8-421B-90AC-6ACCA9EF27DE}"/>
+          </ac:spMkLst>
+        </pc:spChg>
+        <pc:spChg chg="mod">
+          <ac:chgData name="Florian Bregler" userId="509c3410-11d6-49f1-b320-97c10c7ffd0c" providerId="ADAL" clId="{2EEAA0BF-6729-41C4-9972-E4984054A3A9}" dt="2020-02-13T14:25:02.071" v="80" actId="20577"/>
+          <ac:spMkLst>
+            <pc:docMk/>
+            <pc:sldMk cId="548060570" sldId="256"/>
+            <ac:spMk id="3" creationId="{1E315221-F2BB-4E0C-A802-80AE54478D74}"/>
+          </ac:spMkLst>
+        </pc:spChg>
+      </pc:sldChg>
+      <pc:sldChg chg="del">
+        <pc:chgData name="Florian Bregler" userId="509c3410-11d6-49f1-b320-97c10c7ffd0c" providerId="ADAL" clId="{2EEAA0BF-6729-41C4-9972-E4984054A3A9}" dt="2020-02-13T14:36:34.297" v="782" actId="2696"/>
+        <pc:sldMkLst>
+          <pc:docMk/>
+          <pc:sldMk cId="3329349945" sldId="257"/>
+        </pc:sldMkLst>
+      </pc:sldChg>
+      <pc:sldChg chg="del">
+        <pc:chgData name="Florian Bregler" userId="509c3410-11d6-49f1-b320-97c10c7ffd0c" providerId="ADAL" clId="{2EEAA0BF-6729-41C4-9972-E4984054A3A9}" dt="2020-02-13T14:36:40.097" v="783" actId="2696"/>
+        <pc:sldMkLst>
+          <pc:docMk/>
+          <pc:sldMk cId="909794773" sldId="258"/>
+        </pc:sldMkLst>
+      </pc:sldChg>
+      <pc:sldChg chg="del">
+        <pc:chgData name="Florian Bregler" userId="509c3410-11d6-49f1-b320-97c10c7ffd0c" providerId="ADAL" clId="{2EEAA0BF-6729-41C4-9972-E4984054A3A9}" dt="2020-02-13T14:36:45.379" v="784" actId="2696"/>
+        <pc:sldMkLst>
+          <pc:docMk/>
+          <pc:sldMk cId="1023496422" sldId="259"/>
+        </pc:sldMkLst>
+      </pc:sldChg>
+      <pc:sldChg chg="modSp add">
+        <pc:chgData name="Florian Bregler" userId="509c3410-11d6-49f1-b320-97c10c7ffd0c" providerId="ADAL" clId="{2EEAA0BF-6729-41C4-9972-E4984054A3A9}" dt="2020-02-13T14:29:21.836" v="437" actId="20577"/>
+        <pc:sldMkLst>
+          <pc:docMk/>
+          <pc:sldMk cId="4216624362" sldId="260"/>
+        </pc:sldMkLst>
+        <pc:spChg chg="mod">
+          <ac:chgData name="Florian Bregler" userId="509c3410-11d6-49f1-b320-97c10c7ffd0c" providerId="ADAL" clId="{2EEAA0BF-6729-41C4-9972-E4984054A3A9}" dt="2020-02-13T14:25:15.087" v="91" actId="20577"/>
+          <ac:spMkLst>
+            <pc:docMk/>
+            <pc:sldMk cId="4216624362" sldId="260"/>
+            <ac:spMk id="2" creationId="{6B45A1C6-AA29-4935-9A17-3630E074890B}"/>
+          </ac:spMkLst>
+        </pc:spChg>
+        <pc:spChg chg="mod">
+          <ac:chgData name="Florian Bregler" userId="509c3410-11d6-49f1-b320-97c10c7ffd0c" providerId="ADAL" clId="{2EEAA0BF-6729-41C4-9972-E4984054A3A9}" dt="2020-02-13T14:29:21.836" v="437" actId="20577"/>
+          <ac:spMkLst>
+            <pc:docMk/>
+            <pc:sldMk cId="4216624362" sldId="260"/>
+            <ac:spMk id="3" creationId="{8A026B3F-6E3C-402A-8DA7-61346B8EEA51}"/>
+          </ac:spMkLst>
+        </pc:spChg>
+      </pc:sldChg>
+      <pc:sldChg chg="modSp add">
+        <pc:chgData name="Florian Bregler" userId="509c3410-11d6-49f1-b320-97c10c7ffd0c" providerId="ADAL" clId="{2EEAA0BF-6729-41C4-9972-E4984054A3A9}" dt="2020-02-13T14:37:26.853" v="798" actId="20577"/>
+        <pc:sldMkLst>
+          <pc:docMk/>
+          <pc:sldMk cId="1775831043" sldId="261"/>
+        </pc:sldMkLst>
+        <pc:spChg chg="mod">
+          <ac:chgData name="Florian Bregler" userId="509c3410-11d6-49f1-b320-97c10c7ffd0c" providerId="ADAL" clId="{2EEAA0BF-6729-41C4-9972-E4984054A3A9}" dt="2020-02-13T14:37:26.853" v="798" actId="20577"/>
+          <ac:spMkLst>
+            <pc:docMk/>
+            <pc:sldMk cId="1775831043" sldId="261"/>
+            <ac:spMk id="2" creationId="{B67C191E-D540-43E9-AC8A-B0B8552E1705}"/>
+          </ac:spMkLst>
+        </pc:spChg>
+        <pc:spChg chg="mod">
+          <ac:chgData name="Florian Bregler" userId="509c3410-11d6-49f1-b320-97c10c7ffd0c" providerId="ADAL" clId="{2EEAA0BF-6729-41C4-9972-E4984054A3A9}" dt="2020-02-13T14:37:23.244" v="797" actId="20577"/>
+          <ac:spMkLst>
+            <pc:docMk/>
+            <pc:sldMk cId="1775831043" sldId="261"/>
+            <ac:spMk id="3" creationId="{B9E25A9C-CC1C-408C-B18F-F32C9EE59B24}"/>
+          </ac:spMkLst>
+        </pc:spChg>
+      </pc:sldChg>
+      <pc:sldChg chg="addSp delSp modSp add">
+        <pc:chgData name="Florian Bregler" userId="509c3410-11d6-49f1-b320-97c10c7ffd0c" providerId="ADAL" clId="{2EEAA0BF-6729-41C4-9972-E4984054A3A9}" dt="2020-02-13T14:37:31.397" v="799" actId="20577"/>
+        <pc:sldMkLst>
+          <pc:docMk/>
+          <pc:sldMk cId="1014740513" sldId="262"/>
+        </pc:sldMkLst>
+        <pc:spChg chg="mod">
+          <ac:chgData name="Florian Bregler" userId="509c3410-11d6-49f1-b320-97c10c7ffd0c" providerId="ADAL" clId="{2EEAA0BF-6729-41C4-9972-E4984054A3A9}" dt="2020-02-13T14:37:31.397" v="799" actId="20577"/>
+          <ac:spMkLst>
+            <pc:docMk/>
+            <pc:sldMk cId="1014740513" sldId="262"/>
+            <ac:spMk id="2" creationId="{E8A804BA-174B-422F-A87C-0E10E0CBBDDB}"/>
+          </ac:spMkLst>
+        </pc:spChg>
+        <pc:spChg chg="add del mod">
+          <ac:chgData name="Florian Bregler" userId="509c3410-11d6-49f1-b320-97c10c7ffd0c" providerId="ADAL" clId="{2EEAA0BF-6729-41C4-9972-E4984054A3A9}" dt="2020-02-13T14:32:23.715" v="643"/>
+          <ac:spMkLst>
+            <pc:docMk/>
+            <pc:sldMk cId="1014740513" sldId="262"/>
+            <ac:spMk id="3" creationId="{F32DBAD0-DD6E-4D73-813C-D19E35D7DD64}"/>
+          </ac:spMkLst>
+        </pc:spChg>
+        <pc:spChg chg="add mod">
+          <ac:chgData name="Florian Bregler" userId="509c3410-11d6-49f1-b320-97c10c7ffd0c" providerId="ADAL" clId="{2EEAA0BF-6729-41C4-9972-E4984054A3A9}" dt="2020-02-13T14:36:04.344" v="769" actId="20577"/>
+          <ac:spMkLst>
+            <pc:docMk/>
+            <pc:sldMk cId="1014740513" sldId="262"/>
+            <ac:spMk id="8" creationId="{D5FFDA51-5C91-4CF6-9E91-A7B65F161BA9}"/>
+          </ac:spMkLst>
+        </pc:spChg>
+        <pc:picChg chg="add del mod">
+          <ac:chgData name="Florian Bregler" userId="509c3410-11d6-49f1-b320-97c10c7ffd0c" providerId="ADAL" clId="{2EEAA0BF-6729-41C4-9972-E4984054A3A9}" dt="2020-02-13T14:31:58.576" v="641"/>
+          <ac:picMkLst>
+            <pc:docMk/>
+            <pc:sldMk cId="1014740513" sldId="262"/>
+            <ac:picMk id="5" creationId="{E0990B9C-189B-4E64-A46D-1A24C13B9250}"/>
+          </ac:picMkLst>
+        </pc:picChg>
+        <pc:picChg chg="add mod">
+          <ac:chgData name="Florian Bregler" userId="509c3410-11d6-49f1-b320-97c10c7ffd0c" providerId="ADAL" clId="{2EEAA0BF-6729-41C4-9972-E4984054A3A9}" dt="2020-02-13T14:34:17.547" v="753" actId="1076"/>
+          <ac:picMkLst>
+            <pc:docMk/>
+            <pc:sldMk cId="1014740513" sldId="262"/>
+            <ac:picMk id="7" creationId="{4BD06E8A-5A88-4680-86A6-4EABF2EFC3B3}"/>
+          </ac:picMkLst>
+        </pc:picChg>
+        <pc:picChg chg="add mod">
+          <ac:chgData name="Florian Bregler" userId="509c3410-11d6-49f1-b320-97c10c7ffd0c" providerId="ADAL" clId="{2EEAA0BF-6729-41C4-9972-E4984054A3A9}" dt="2020-02-13T14:34:39.414" v="759" actId="1076"/>
+          <ac:picMkLst>
+            <pc:docMk/>
+            <pc:sldMk cId="1014740513" sldId="262"/>
+            <ac:picMk id="10" creationId="{2F43BD79-72EA-4936-8343-64FD8A574B85}"/>
+          </ac:picMkLst>
+        </pc:picChg>
+      </pc:sldChg>
+      <pc:sldChg chg="modSp add">
+        <pc:chgData name="Florian Bregler" userId="509c3410-11d6-49f1-b320-97c10c7ffd0c" providerId="ADAL" clId="{2EEAA0BF-6729-41C4-9972-E4984054A3A9}" dt="2020-02-13T14:36:55.862" v="794" actId="20577"/>
+        <pc:sldMkLst>
+          <pc:docMk/>
+          <pc:sldMk cId="1795989105" sldId="263"/>
+        </pc:sldMkLst>
+        <pc:spChg chg="mod">
+          <ac:chgData name="Florian Bregler" userId="509c3410-11d6-49f1-b320-97c10c7ffd0c" providerId="ADAL" clId="{2EEAA0BF-6729-41C4-9972-E4984054A3A9}" dt="2020-02-13T14:36:55.862" v="794" actId="20577"/>
+          <ac:spMkLst>
+            <pc:docMk/>
+            <pc:sldMk cId="1795989105" sldId="263"/>
+            <ac:spMk id="2" creationId="{1BC6683B-1D87-4206-95A3-B1F30DAA6609}"/>
+          </ac:spMkLst>
+        </pc:spChg>
+      </pc:sldChg>
+      <pc:sldChg chg="modSp add">
+        <pc:chgData name="Florian Bregler" userId="509c3410-11d6-49f1-b320-97c10c7ffd0c" providerId="ADAL" clId="{2EEAA0BF-6729-41C4-9972-E4984054A3A9}" dt="2020-02-13T14:38:15.231" v="812" actId="20577"/>
+        <pc:sldMkLst>
+          <pc:docMk/>
+          <pc:sldMk cId="3042059458" sldId="264"/>
+        </pc:sldMkLst>
+        <pc:spChg chg="mod">
+          <ac:chgData name="Florian Bregler" userId="509c3410-11d6-49f1-b320-97c10c7ffd0c" providerId="ADAL" clId="{2EEAA0BF-6729-41C4-9972-E4984054A3A9}" dt="2020-02-13T14:38:15.231" v="812" actId="20577"/>
+          <ac:spMkLst>
+            <pc:docMk/>
+            <pc:sldMk cId="3042059458" sldId="264"/>
+            <ac:spMk id="2" creationId="{241279CC-4877-4690-B76C-7059D824E3F2}"/>
+          </ac:spMkLst>
+        </pc:spChg>
+      </pc:sldChg>
+    </pc:docChg>
+  </pc:docChgLst>
+</pc:chgInfo>
 </file>
 
 <file path=ppt/slideLayouts/slideLayout1.xml><?xml version="1.0" encoding="utf-8"?>
@@ -257,7 +461,7 @@
           <a:p>
             <a:fld id="{E75E63A9-2161-4722-99DC-7BF271D2A380}" type="datetimeFigureOut">
               <a:rPr lang="de-DE" smtClean="0"/>
-              <a:t>07.02.2020</a:t>
+              <a:t>13.02.2020</a:t>
             </a:fld>
             <a:endParaRPr lang="de-DE"/>
           </a:p>
@@ -455,7 +659,7 @@
           <a:p>
             <a:fld id="{E75E63A9-2161-4722-99DC-7BF271D2A380}" type="datetimeFigureOut">
               <a:rPr lang="de-DE" smtClean="0"/>
-              <a:t>07.02.2020</a:t>
+              <a:t>13.02.2020</a:t>
             </a:fld>
             <a:endParaRPr lang="de-DE"/>
           </a:p>
@@ -663,7 +867,7 @@
           <a:p>
             <a:fld id="{E75E63A9-2161-4722-99DC-7BF271D2A380}" type="datetimeFigureOut">
               <a:rPr lang="de-DE" smtClean="0"/>
-              <a:t>07.02.2020</a:t>
+              <a:t>13.02.2020</a:t>
             </a:fld>
             <a:endParaRPr lang="de-DE"/>
           </a:p>
@@ -861,7 +1065,7 @@
           <a:p>
             <a:fld id="{E75E63A9-2161-4722-99DC-7BF271D2A380}" type="datetimeFigureOut">
               <a:rPr lang="de-DE" smtClean="0"/>
-              <a:t>07.02.2020</a:t>
+              <a:t>13.02.2020</a:t>
             </a:fld>
             <a:endParaRPr lang="de-DE"/>
           </a:p>
@@ -1136,7 +1340,7 @@
           <a:p>
             <a:fld id="{E75E63A9-2161-4722-99DC-7BF271D2A380}" type="datetimeFigureOut">
               <a:rPr lang="de-DE" smtClean="0"/>
-              <a:t>07.02.2020</a:t>
+              <a:t>13.02.2020</a:t>
             </a:fld>
             <a:endParaRPr lang="de-DE"/>
           </a:p>
@@ -1401,7 +1605,7 @@
           <a:p>
             <a:fld id="{E75E63A9-2161-4722-99DC-7BF271D2A380}" type="datetimeFigureOut">
               <a:rPr lang="de-DE" smtClean="0"/>
-              <a:t>07.02.2020</a:t>
+              <a:t>13.02.2020</a:t>
             </a:fld>
             <a:endParaRPr lang="de-DE"/>
           </a:p>
@@ -1813,7 +2017,7 @@
           <a:p>
             <a:fld id="{E75E63A9-2161-4722-99DC-7BF271D2A380}" type="datetimeFigureOut">
               <a:rPr lang="de-DE" smtClean="0"/>
-              <a:t>07.02.2020</a:t>
+              <a:t>13.02.2020</a:t>
             </a:fld>
             <a:endParaRPr lang="de-DE"/>
           </a:p>
@@ -1954,7 +2158,7 @@
           <a:p>
             <a:fld id="{E75E63A9-2161-4722-99DC-7BF271D2A380}" type="datetimeFigureOut">
               <a:rPr lang="de-DE" smtClean="0"/>
-              <a:t>07.02.2020</a:t>
+              <a:t>13.02.2020</a:t>
             </a:fld>
             <a:endParaRPr lang="de-DE"/>
           </a:p>
@@ -2067,7 +2271,7 @@
           <a:p>
             <a:fld id="{E75E63A9-2161-4722-99DC-7BF271D2A380}" type="datetimeFigureOut">
               <a:rPr lang="de-DE" smtClean="0"/>
-              <a:t>07.02.2020</a:t>
+              <a:t>13.02.2020</a:t>
             </a:fld>
             <a:endParaRPr lang="de-DE"/>
           </a:p>
@@ -2378,7 +2582,7 @@
           <a:p>
             <a:fld id="{E75E63A9-2161-4722-99DC-7BF271D2A380}" type="datetimeFigureOut">
               <a:rPr lang="de-DE" smtClean="0"/>
-              <a:t>07.02.2020</a:t>
+              <a:t>13.02.2020</a:t>
             </a:fld>
             <a:endParaRPr lang="de-DE"/>
           </a:p>
@@ -2666,7 +2870,7 @@
           <a:p>
             <a:fld id="{E75E63A9-2161-4722-99DC-7BF271D2A380}" type="datetimeFigureOut">
               <a:rPr lang="de-DE" smtClean="0"/>
-              <a:t>07.02.2020</a:t>
+              <a:t>13.02.2020</a:t>
             </a:fld>
             <a:endParaRPr lang="de-DE"/>
           </a:p>
@@ -2907,7 +3111,7 @@
           <a:p>
             <a:fld id="{E75E63A9-2161-4722-99DC-7BF271D2A380}" type="datetimeFigureOut">
               <a:rPr lang="de-DE" smtClean="0"/>
-              <a:t>07.02.2020</a:t>
+              <a:t>13.02.2020</a:t>
             </a:fld>
             <a:endParaRPr lang="de-DE"/>
           </a:p>
@@ -3345,7 +3549,10 @@
           <a:bodyPr/>
           <a:lstStyle/>
           <a:p>
-            <a:endParaRPr lang="de-DE"/>
+            <a:r>
+              <a:rPr lang="de-DE" dirty="0"/>
+              <a:t>Group 5: Safe</a:t>
+            </a:r>
           </a:p>
         </p:txBody>
       </p:sp>
@@ -3370,7 +3577,10 @@
           <a:bodyPr/>
           <a:lstStyle/>
           <a:p>
-            <a:endParaRPr lang="de-DE"/>
+            <a:r>
+              <a:rPr lang="de-DE" dirty="0"/>
+              <a:t>Frank Mutter, Markus Schwörer, Florian Bregler</a:t>
+            </a:r>
           </a:p>
         </p:txBody>
       </p:sp>
@@ -3409,7 +3619,7 @@
           <p:cNvPr id="2" name="Titel 1">
             <a:extLst>
               <a:ext uri="{FF2B5EF4-FFF2-40B4-BE49-F238E27FC236}">
-                <a16:creationId xmlns:a16="http://schemas.microsoft.com/office/drawing/2014/main" id="{C1B39465-AFDF-4D13-B919-0ABA3B3BB17F}"/>
+                <a16:creationId xmlns:a16="http://schemas.microsoft.com/office/drawing/2014/main" id="{6B45A1C6-AA29-4935-9A17-3630E074890B}"/>
               </a:ext>
             </a:extLst>
           </p:cNvPr>
@@ -3427,7 +3637,7 @@
           <a:p>
             <a:r>
               <a:rPr lang="de-DE" dirty="0"/>
-              <a:t>Safe Control</a:t>
+              <a:t>Motivation</a:t>
             </a:r>
           </a:p>
         </p:txBody>
@@ -3437,7 +3647,7 @@
           <p:cNvPr id="3" name="Inhaltsplatzhalter 2">
             <a:extLst>
               <a:ext uri="{FF2B5EF4-FFF2-40B4-BE49-F238E27FC236}">
-                <a16:creationId xmlns:a16="http://schemas.microsoft.com/office/drawing/2014/main" id="{B348F582-A6DB-4A11-9233-BFF1284E1F2E}"/>
+                <a16:creationId xmlns:a16="http://schemas.microsoft.com/office/drawing/2014/main" id="{8A026B3F-6E3C-402A-8DA7-61346B8EEA51}"/>
               </a:ext>
             </a:extLst>
           </p:cNvPr>
@@ -3454,65 +3664,178 @@
           <a:lstStyle/>
           <a:p>
             <a:r>
+              <a:rPr lang="de-DE" dirty="0"/>
+              <a:t>Main Goal:</a:t>
+            </a:r>
+          </a:p>
+          <a:p>
+            <a:pPr marL="0" indent="0">
+              <a:buNone/>
+            </a:pPr>
+            <a:r>
+              <a:rPr lang="de-DE" dirty="0"/>
+              <a:t>	Players </a:t>
+            </a:r>
+            <a:r>
               <a:rPr lang="de-DE" dirty="0" err="1"/>
-              <a:t>Wiring</a:t>
-            </a:r>
+              <a:t>have</a:t>
+            </a:r>
+            <a:r>
+              <a:rPr lang="de-DE" dirty="0"/>
+              <a:t> </a:t>
+            </a:r>
+            <a:r>
+              <a:rPr lang="de-DE" dirty="0" err="1"/>
+              <a:t>to</a:t>
+            </a:r>
+            <a:r>
+              <a:rPr lang="de-DE" dirty="0"/>
+              <a:t> </a:t>
+            </a:r>
+            <a:r>
+              <a:rPr lang="de-DE" dirty="0" err="1"/>
+              <a:t>steal</a:t>
+            </a:r>
+            <a:r>
+              <a:rPr lang="de-DE" dirty="0"/>
+              <a:t> </a:t>
+            </a:r>
+            <a:r>
+              <a:rPr lang="de-DE" dirty="0" err="1"/>
+              <a:t>the</a:t>
+            </a:r>
+            <a:r>
+              <a:rPr lang="de-DE" dirty="0"/>
+              <a:t> </a:t>
+            </a:r>
+            <a:r>
+              <a:rPr lang="de-DE" dirty="0" err="1"/>
+              <a:t>Prototypes</a:t>
+            </a:r>
+            <a:r>
+              <a:rPr lang="de-DE" dirty="0"/>
+              <a:t> </a:t>
+            </a:r>
+          </a:p>
+          <a:p>
             <a:endParaRPr lang="de-DE" dirty="0"/>
           </a:p>
           <a:p>
             <a:r>
+              <a:rPr lang="de-DE" dirty="0" err="1"/>
+              <a:t>Role</a:t>
+            </a:r>
+            <a:r>
               <a:rPr lang="de-DE" dirty="0"/>
-              <a:t>Komponenten</a:t>
-            </a:r>
-          </a:p>
-          <a:p>
-            <a:pPr lvl="1"/>
+              <a:t> </a:t>
+            </a:r>
+            <a:r>
+              <a:rPr lang="de-DE" dirty="0" err="1"/>
+              <a:t>of</a:t>
+            </a:r>
             <a:r>
               <a:rPr lang="de-DE" dirty="0"/>
-              <a:t>Beschleunigungssensor</a:t>
-            </a:r>
-          </a:p>
-          <a:p>
-            <a:pPr lvl="1"/>
+              <a:t> </a:t>
+            </a:r>
+            <a:r>
+              <a:rPr lang="de-DE" dirty="0" err="1"/>
+              <a:t>the</a:t>
+            </a:r>
             <a:r>
               <a:rPr lang="de-DE" dirty="0"/>
-              <a:t>12 V Schaltung</a:t>
-            </a:r>
-          </a:p>
-          <a:p>
-            <a:pPr lvl="1"/>
+              <a:t> </a:t>
+            </a:r>
+            <a:r>
+              <a:rPr lang="de-DE" dirty="0" err="1"/>
+              <a:t>safe</a:t>
+            </a:r>
             <a:r>
               <a:rPr lang="de-DE" dirty="0"/>
-              <a:t>LED Stripes</a:t>
-            </a:r>
-          </a:p>
-          <a:p>
-            <a:pPr lvl="1"/>
+              <a:t>:</a:t>
+            </a:r>
+          </a:p>
+          <a:p>
+            <a:pPr marL="457200" lvl="1" indent="0">
+              <a:buNone/>
+            </a:pPr>
+            <a:r>
+              <a:rPr lang="de-DE" dirty="0"/>
+              <a:t>Power </a:t>
+            </a:r>
             <a:r>
               <a:rPr lang="de-DE" dirty="0" err="1"/>
-              <a:t>Piezo</a:t>
+              <a:t>the</a:t>
+            </a:r>
+            <a:r>
+              <a:rPr lang="de-DE" dirty="0"/>
+              <a:t> </a:t>
+            </a:r>
+            <a:r>
+              <a:rPr lang="de-DE" dirty="0" err="1"/>
+              <a:t>safe</a:t>
+            </a:r>
+            <a:r>
+              <a:rPr lang="de-DE" dirty="0"/>
+              <a:t> </a:t>
+            </a:r>
+            <a:r>
+              <a:rPr lang="de-DE" dirty="0" err="1"/>
+              <a:t>for</a:t>
+            </a:r>
+            <a:r>
+              <a:rPr lang="de-DE" dirty="0"/>
+              <a:t> </a:t>
+            </a:r>
+            <a:r>
+              <a:rPr lang="de-DE" dirty="0" err="1"/>
+              <a:t>activation</a:t>
             </a:r>
             <a:endParaRPr lang="de-DE" dirty="0"/>
           </a:p>
           <a:p>
-            <a:pPr lvl="1"/>
+            <a:pPr marL="457200" lvl="1" indent="0">
+              <a:buNone/>
+            </a:pPr>
             <a:r>
               <a:rPr lang="de-DE" dirty="0"/>
-              <a:t>Interface</a:t>
-            </a:r>
-          </a:p>
-          <a:p>
+              <a:t>Open </a:t>
+            </a:r>
+            <a:r>
+              <a:rPr lang="de-DE" dirty="0" err="1"/>
+              <a:t>safe</a:t>
+            </a:r>
             <a:r>
               <a:rPr lang="de-DE" dirty="0"/>
-              <a:t>Puzzle</a:t>
-            </a:r>
+              <a:t> </a:t>
+            </a:r>
+            <a:r>
+              <a:rPr lang="de-DE" dirty="0" err="1"/>
+              <a:t>to</a:t>
+            </a:r>
+            <a:r>
+              <a:rPr lang="de-DE" dirty="0"/>
+              <a:t> </a:t>
+            </a:r>
+            <a:r>
+              <a:rPr lang="de-DE" dirty="0" err="1"/>
+              <a:t>get</a:t>
+            </a:r>
+            <a:r>
+              <a:rPr lang="de-DE" dirty="0"/>
+              <a:t> </a:t>
+            </a:r>
+            <a:r>
+              <a:rPr lang="de-DE" dirty="0" err="1"/>
+              <a:t>Prototypes</a:t>
+            </a:r>
+            <a:endParaRPr lang="de-DE" dirty="0"/>
           </a:p>
         </p:txBody>
       </p:sp>
     </p:spTree>
     <p:extLst>
       <p:ext uri="{BB962C8B-B14F-4D97-AF65-F5344CB8AC3E}">
-        <p14:creationId xmlns:p14="http://schemas.microsoft.com/office/powerpoint/2010/main" val="3329349945"/>
+        <p14:creationId xmlns:p14="http://schemas.microsoft.com/office/powerpoint/2010/main" val="4216624362"/>
       </p:ext>
     </p:extLst>
   </p:cSld>
@@ -3544,7 +3867,7 @@
           <p:cNvPr id="2" name="Titel 1">
             <a:extLst>
               <a:ext uri="{FF2B5EF4-FFF2-40B4-BE49-F238E27FC236}">
-                <a16:creationId xmlns:a16="http://schemas.microsoft.com/office/drawing/2014/main" id="{DF406F42-5B92-4CCE-9BC7-9E998042689C}"/>
+                <a16:creationId xmlns:a16="http://schemas.microsoft.com/office/drawing/2014/main" id="{B67C191E-D540-43E9-AC8A-B0B8552E1705}"/>
               </a:ext>
             </a:extLst>
           </p:cNvPr>
@@ -3562,47 +3885,140 @@
           <a:p>
             <a:r>
               <a:rPr lang="de-DE" dirty="0"/>
-              <a:t>Safe </a:t>
-            </a:r>
+              <a:t>Safe puzzle </a:t>
+            </a:r>
+          </a:p>
+        </p:txBody>
+      </p:sp>
+      <p:sp>
+        <p:nvSpPr>
+          <p:cNvPr id="3" name="Inhaltsplatzhalter 2">
+            <a:extLst>
+              <a:ext uri="{FF2B5EF4-FFF2-40B4-BE49-F238E27FC236}">
+                <a16:creationId xmlns:a16="http://schemas.microsoft.com/office/drawing/2014/main" id="{B9E25A9C-CC1C-408C-B18F-F32C9EE59B24}"/>
+              </a:ext>
+            </a:extLst>
+          </p:cNvPr>
+          <p:cNvSpPr>
+            <a:spLocks noGrp="1"/>
+          </p:cNvSpPr>
+          <p:nvPr>
+            <p:ph idx="1"/>
+          </p:nvPr>
+        </p:nvSpPr>
+        <p:spPr/>
+        <p:txBody>
+          <a:bodyPr/>
+          <a:lstStyle/>
+          <a:p>
             <a:r>
               <a:rPr lang="de-DE" dirty="0" err="1"/>
-              <a:t>Activation</a:t>
-            </a:r>
+              <a:t>Divided</a:t>
+            </a:r>
+            <a:r>
+              <a:rPr lang="de-DE" dirty="0"/>
+              <a:t> </a:t>
+            </a:r>
+            <a:r>
+              <a:rPr lang="de-DE" dirty="0" err="1"/>
+              <a:t>into</a:t>
+            </a:r>
+            <a:r>
+              <a:rPr lang="de-DE" dirty="0"/>
+              <a:t> </a:t>
+            </a:r>
+            <a:r>
+              <a:rPr lang="de-DE" dirty="0" err="1"/>
+              <a:t>two</a:t>
+            </a:r>
+            <a:r>
+              <a:rPr lang="de-DE" dirty="0"/>
+              <a:t> Parts:</a:t>
+            </a:r>
+          </a:p>
+          <a:p>
+            <a:pPr marL="0" indent="0">
+              <a:buNone/>
+            </a:pPr>
             <a:endParaRPr lang="de-DE" dirty="0"/>
           </a:p>
-        </p:txBody>
-      </p:sp>
-      <p:sp>
-        <p:nvSpPr>
-          <p:cNvPr id="3" name="Inhaltsplatzhalter 2">
-            <a:extLst>
-              <a:ext uri="{FF2B5EF4-FFF2-40B4-BE49-F238E27FC236}">
-                <a16:creationId xmlns:a16="http://schemas.microsoft.com/office/drawing/2014/main" id="{241B5F82-D7EF-4F45-AC55-A537E86BA45A}"/>
-              </a:ext>
-            </a:extLst>
-          </p:cNvPr>
-          <p:cNvSpPr>
-            <a:spLocks noGrp="1"/>
-          </p:cNvSpPr>
-          <p:nvPr>
-            <p:ph idx="1"/>
-          </p:nvPr>
-        </p:nvSpPr>
-        <p:spPr/>
-        <p:txBody>
-          <a:bodyPr/>
-          <a:lstStyle/>
-          <a:p>
+          <a:p>
+            <a:pPr marL="0" indent="0">
+              <a:buNone/>
+            </a:pPr>
+            <a:r>
+              <a:rPr lang="de-DE" dirty="0"/>
+              <a:t>1. Safe </a:t>
+            </a:r>
             <a:r>
               <a:rPr lang="de-DE" dirty="0" err="1"/>
-              <a:t>Wiring</a:t>
-            </a:r>
+              <a:t>activation</a:t>
+            </a:r>
+            <a:r>
+              <a:rPr lang="de-DE" dirty="0"/>
+              <a:t>:</a:t>
+            </a:r>
+          </a:p>
+          <a:p>
+            <a:pPr lvl="1"/>
+            <a:r>
+              <a:rPr lang="de-DE" dirty="0" err="1"/>
+              <a:t>Voltage</a:t>
+            </a:r>
+            <a:r>
+              <a:rPr lang="de-DE" dirty="0"/>
+              <a:t> </a:t>
+            </a:r>
+            <a:r>
+              <a:rPr lang="de-DE" dirty="0" err="1"/>
+              <a:t>Divider</a:t>
+            </a:r>
+            <a:r>
+              <a:rPr lang="de-DE" dirty="0"/>
+              <a:t> Puzzle</a:t>
+            </a:r>
+          </a:p>
+          <a:p>
+            <a:pPr lvl="1"/>
+            <a:r>
+              <a:rPr lang="de-DE" dirty="0"/>
+              <a:t>Switch Puzzle</a:t>
+            </a:r>
+          </a:p>
+          <a:p>
+            <a:pPr lvl="1"/>
             <a:endParaRPr lang="de-DE" dirty="0"/>
           </a:p>
           <a:p>
+            <a:pPr marL="0" indent="0">
+              <a:buNone/>
+            </a:pPr>
             <a:r>
               <a:rPr lang="de-DE" dirty="0"/>
-              <a:t>Puzzle</a:t>
+              <a:t>2. Safe </a:t>
+            </a:r>
+            <a:r>
+              <a:rPr lang="de-DE" dirty="0" err="1"/>
+              <a:t>opening</a:t>
+            </a:r>
+            <a:r>
+              <a:rPr lang="de-DE" dirty="0"/>
+              <a:t>:</a:t>
+            </a:r>
+          </a:p>
+          <a:p>
+            <a:pPr lvl="1"/>
+            <a:r>
+              <a:rPr lang="de-DE" dirty="0"/>
+              <a:t>Code </a:t>
+            </a:r>
+            <a:r>
+              <a:rPr lang="de-DE" dirty="0" err="1"/>
+              <a:t>Combination</a:t>
+            </a:r>
+            <a:r>
+              <a:rPr lang="de-DE" dirty="0"/>
+              <a:t> Puzzle</a:t>
             </a:r>
           </a:p>
         </p:txBody>
@@ -3610,7 +4026,7 @@
     </p:spTree>
     <p:extLst>
       <p:ext uri="{BB962C8B-B14F-4D97-AF65-F5344CB8AC3E}">
-        <p14:creationId xmlns:p14="http://schemas.microsoft.com/office/powerpoint/2010/main" val="909794773"/>
+        <p14:creationId xmlns:p14="http://schemas.microsoft.com/office/powerpoint/2010/main" val="1775831043"/>
       </p:ext>
     </p:extLst>
   </p:cSld>
@@ -3642,7 +4058,7 @@
           <p:cNvPr id="2" name="Titel 1">
             <a:extLst>
               <a:ext uri="{FF2B5EF4-FFF2-40B4-BE49-F238E27FC236}">
-                <a16:creationId xmlns:a16="http://schemas.microsoft.com/office/drawing/2014/main" id="{BE1F1C66-02C1-404B-9C4F-0D7A98CD513B}"/>
+                <a16:creationId xmlns:a16="http://schemas.microsoft.com/office/drawing/2014/main" id="{E8A804BA-174B-422F-A87C-0E10E0CBBDDB}"/>
               </a:ext>
             </a:extLst>
           </p:cNvPr>
@@ -3653,57 +4069,399 @@
             <p:ph type="title"/>
           </p:nvPr>
         </p:nvSpPr>
-        <p:spPr/>
+        <p:spPr>
+          <a:xfrm>
+            <a:off x="838200" y="365125"/>
+            <a:ext cx="10515600" cy="1222375"/>
+          </a:xfrm>
+        </p:spPr>
         <p:txBody>
           <a:bodyPr/>
           <a:lstStyle/>
           <a:p>
             <a:r>
               <a:rPr lang="de-DE" dirty="0"/>
-              <a:t>3D CAD Design</a:t>
-            </a:r>
-          </a:p>
-        </p:txBody>
-      </p:sp>
-      <p:sp>
-        <p:nvSpPr>
-          <p:cNvPr id="3" name="Inhaltsplatzhalter 2">
-            <a:extLst>
-              <a:ext uri="{FF2B5EF4-FFF2-40B4-BE49-F238E27FC236}">
-                <a16:creationId xmlns:a16="http://schemas.microsoft.com/office/drawing/2014/main" id="{B055044F-9EFA-41D6-B6FC-0F5E41841BD4}"/>
-              </a:ext>
-            </a:extLst>
-          </p:cNvPr>
-          <p:cNvSpPr>
-            <a:spLocks noGrp="1"/>
-          </p:cNvSpPr>
+              <a:t>Safe </a:t>
+            </a:r>
+            <a:r>
+              <a:rPr lang="de-DE" dirty="0" err="1"/>
+              <a:t>activation</a:t>
+            </a:r>
+            <a:endParaRPr lang="de-DE" dirty="0"/>
+          </a:p>
+        </p:txBody>
+      </p:sp>
+      <p:pic>
+        <p:nvPicPr>
+          <p:cNvPr id="7" name="Inhaltsplatzhalter 6">
+            <a:extLst>
+              <a:ext uri="{FF2B5EF4-FFF2-40B4-BE49-F238E27FC236}">
+                <a16:creationId xmlns:a16="http://schemas.microsoft.com/office/drawing/2014/main" id="{4BD06E8A-5A88-4680-86A6-4EABF2EFC3B3}"/>
+              </a:ext>
+            </a:extLst>
+          </p:cNvPr>
+          <p:cNvPicPr>
+            <a:picLocks noGrp="1" noChangeAspect="1"/>
+          </p:cNvPicPr>
           <p:nvPr>
             <p:ph idx="1"/>
           </p:nvPr>
-        </p:nvSpPr>
-        <p:spPr/>
-        <p:txBody>
-          <a:bodyPr/>
-          <a:lstStyle/>
-          <a:p>
-            <a:r>
-              <a:rPr lang="de-DE" dirty="0"/>
-              <a:t>Blende Design</a:t>
-            </a:r>
-          </a:p>
-          <a:p>
-            <a:r>
-              <a:rPr lang="de-DE"/>
-              <a:t>Widerstandsbox Design</a:t>
-            </a:r>
-            <a:endParaRPr lang="de-DE" dirty="0"/>
-          </a:p>
-        </p:txBody>
-      </p:sp>
+        </p:nvPicPr>
+        <p:blipFill>
+          <a:blip r:embed="rId2">
+            <a:extLst>
+              <a:ext uri="{28A0092B-C50C-407E-A947-70E740481C1C}">
+                <a14:useLocalDpi xmlns:a14="http://schemas.microsoft.com/office/drawing/2010/main" val="0"/>
+              </a:ext>
+            </a:extLst>
+          </a:blip>
+          <a:stretch>
+            <a:fillRect/>
+          </a:stretch>
+        </p:blipFill>
+        <p:spPr>
+          <a:xfrm>
+            <a:off x="4838637" y="1398609"/>
+            <a:ext cx="7046973" cy="3133654"/>
+          </a:xfrm>
+        </p:spPr>
+      </p:pic>
+      <p:sp>
+        <p:nvSpPr>
+          <p:cNvPr id="8" name="Textfeld 7">
+            <a:extLst>
+              <a:ext uri="{FF2B5EF4-FFF2-40B4-BE49-F238E27FC236}">
+                <a16:creationId xmlns:a16="http://schemas.microsoft.com/office/drawing/2014/main" id="{D5FFDA51-5C91-4CF6-9E91-A7B65F161BA9}"/>
+              </a:ext>
+            </a:extLst>
+          </p:cNvPr>
+          <p:cNvSpPr txBox="1"/>
+          <p:nvPr/>
+        </p:nvSpPr>
+        <p:spPr>
+          <a:xfrm>
+            <a:off x="503583" y="1842052"/>
+            <a:ext cx="4335054" cy="2246769"/>
+          </a:xfrm>
+          <a:prstGeom prst="rect">
+            <a:avLst/>
+          </a:prstGeom>
+          <a:noFill/>
+        </p:spPr>
+        <p:txBody>
+          <a:bodyPr wrap="square" rtlCol="0">
+            <a:spAutoFit/>
+          </a:bodyPr>
+          <a:lstStyle/>
+          <a:p>
+            <a:pPr marL="457200" indent="-457200">
+              <a:buFont typeface="Arial" panose="020B0604020202020204" pitchFamily="34" charset="0"/>
+              <a:buChar char="•"/>
+            </a:pPr>
+            <a:r>
+              <a:rPr lang="de-DE" sz="2800" dirty="0"/>
+              <a:t>Set switch </a:t>
+            </a:r>
+            <a:r>
+              <a:rPr lang="de-DE" sz="2800" dirty="0" err="1"/>
+              <a:t>position</a:t>
+            </a:r>
+            <a:r>
+              <a:rPr lang="de-DE" sz="2800" dirty="0"/>
+              <a:t> </a:t>
+            </a:r>
+            <a:r>
+              <a:rPr lang="de-DE" sz="2800" dirty="0" err="1"/>
+              <a:t>according</a:t>
+            </a:r>
+            <a:r>
+              <a:rPr lang="de-DE" sz="2800" dirty="0"/>
+              <a:t> </a:t>
+            </a:r>
+            <a:r>
+              <a:rPr lang="de-DE" sz="2800" dirty="0" err="1"/>
+              <a:t>to</a:t>
+            </a:r>
+            <a:r>
+              <a:rPr lang="de-DE" sz="2800" dirty="0"/>
+              <a:t> </a:t>
+            </a:r>
+            <a:r>
+              <a:rPr lang="de-DE" sz="2800" dirty="0" err="1"/>
+              <a:t>data</a:t>
+            </a:r>
+            <a:r>
+              <a:rPr lang="de-DE" sz="2800" dirty="0"/>
+              <a:t> </a:t>
+            </a:r>
+            <a:r>
+              <a:rPr lang="de-DE" sz="2800" dirty="0" err="1"/>
+              <a:t>sheet</a:t>
+            </a:r>
+            <a:endParaRPr lang="de-DE" sz="2800" dirty="0"/>
+          </a:p>
+          <a:p>
+            <a:pPr marL="457200" indent="-457200">
+              <a:buFont typeface="Arial" panose="020B0604020202020204" pitchFamily="34" charset="0"/>
+              <a:buChar char="•"/>
+            </a:pPr>
+            <a:endParaRPr lang="de-DE" sz="2800" dirty="0"/>
+          </a:p>
+          <a:p>
+            <a:pPr marL="457200" indent="-457200">
+              <a:buFont typeface="Arial" panose="020B0604020202020204" pitchFamily="34" charset="0"/>
+              <a:buChar char="•"/>
+            </a:pPr>
+            <a:r>
+              <a:rPr lang="de-DE" sz="2800" dirty="0"/>
+              <a:t>Divide </a:t>
+            </a:r>
+            <a:r>
+              <a:rPr lang="de-DE" sz="2800" dirty="0" err="1"/>
+              <a:t>input</a:t>
+            </a:r>
+            <a:r>
+              <a:rPr lang="de-DE" sz="2800" dirty="0"/>
+              <a:t> </a:t>
+            </a:r>
+            <a:r>
+              <a:rPr lang="de-DE" sz="2800" dirty="0" err="1"/>
+              <a:t>voltage</a:t>
+            </a:r>
+            <a:r>
+              <a:rPr lang="de-DE" sz="2800" dirty="0"/>
+              <a:t> </a:t>
+            </a:r>
+            <a:r>
+              <a:rPr lang="de-DE" sz="2800" dirty="0" err="1"/>
+              <a:t>using</a:t>
+            </a:r>
+            <a:r>
+              <a:rPr lang="de-DE" sz="2800" dirty="0"/>
+              <a:t> </a:t>
+            </a:r>
+            <a:r>
+              <a:rPr lang="de-DE" sz="2800" dirty="0" err="1"/>
+              <a:t>resistors</a:t>
+            </a:r>
+            <a:endParaRPr lang="de-DE" sz="2800" dirty="0"/>
+          </a:p>
+        </p:txBody>
+      </p:sp>
+      <p:pic>
+        <p:nvPicPr>
+          <p:cNvPr id="10" name="Grafik 9">
+            <a:extLst>
+              <a:ext uri="{FF2B5EF4-FFF2-40B4-BE49-F238E27FC236}">
+                <a16:creationId xmlns:a16="http://schemas.microsoft.com/office/drawing/2014/main" id="{2F43BD79-72EA-4936-8343-64FD8A574B85}"/>
+              </a:ext>
+            </a:extLst>
+          </p:cNvPr>
+          <p:cNvPicPr>
+            <a:picLocks noChangeAspect="1"/>
+          </p:cNvPicPr>
+          <p:nvPr/>
+        </p:nvPicPr>
+        <p:blipFill>
+          <a:blip r:embed="rId3">
+            <a:extLst>
+              <a:ext uri="{28A0092B-C50C-407E-A947-70E740481C1C}">
+                <a14:useLocalDpi xmlns:a14="http://schemas.microsoft.com/office/drawing/2010/main" val="0"/>
+              </a:ext>
+            </a:extLst>
+          </a:blip>
+          <a:stretch>
+            <a:fillRect/>
+          </a:stretch>
+        </p:blipFill>
+        <p:spPr>
+          <a:xfrm>
+            <a:off x="7156175" y="4888472"/>
+            <a:ext cx="2703444" cy="1604403"/>
+          </a:xfrm>
+          <a:prstGeom prst="rect">
+            <a:avLst/>
+          </a:prstGeom>
+        </p:spPr>
+      </p:pic>
     </p:spTree>
     <p:extLst>
       <p:ext uri="{BB962C8B-B14F-4D97-AF65-F5344CB8AC3E}">
-        <p14:creationId xmlns:p14="http://schemas.microsoft.com/office/powerpoint/2010/main" val="1023496422"/>
+        <p14:creationId xmlns:p14="http://schemas.microsoft.com/office/powerpoint/2010/main" val="1014740513"/>
+      </p:ext>
+    </p:extLst>
+  </p:cSld>
+  <p:clrMapOvr>
+    <a:masterClrMapping/>
+  </p:clrMapOvr>
+</p:sld>
+</file>
+
+<file path=ppt/slides/slide5.xml><?xml version="1.0" encoding="utf-8"?>
+<p:sld xmlns:a="http://schemas.openxmlformats.org/drawingml/2006/main" xmlns:r="http://schemas.openxmlformats.org/officeDocument/2006/relationships" xmlns:p="http://schemas.openxmlformats.org/presentationml/2006/main">
+  <p:cSld>
+    <p:spTree>
+      <p:nvGrpSpPr>
+        <p:cNvPr id="1" name=""/>
+        <p:cNvGrpSpPr/>
+        <p:nvPr/>
+      </p:nvGrpSpPr>
+      <p:grpSpPr>
+        <a:xfrm>
+          <a:off x="0" y="0"/>
+          <a:ext cx="0" cy="0"/>
+          <a:chOff x="0" y="0"/>
+          <a:chExt cx="0" cy="0"/>
+        </a:xfrm>
+      </p:grpSpPr>
+      <p:sp>
+        <p:nvSpPr>
+          <p:cNvPr id="2" name="Titel 1">
+            <a:extLst>
+              <a:ext uri="{FF2B5EF4-FFF2-40B4-BE49-F238E27FC236}">
+                <a16:creationId xmlns:a16="http://schemas.microsoft.com/office/drawing/2014/main" id="{241279CC-4877-4690-B76C-7059D824E3F2}"/>
+              </a:ext>
+            </a:extLst>
+          </p:cNvPr>
+          <p:cNvSpPr>
+            <a:spLocks noGrp="1"/>
+          </p:cNvSpPr>
+          <p:nvPr>
+            <p:ph type="title"/>
+          </p:nvPr>
+        </p:nvSpPr>
+        <p:spPr/>
+        <p:txBody>
+          <a:bodyPr/>
+          <a:lstStyle/>
+          <a:p>
+            <a:r>
+              <a:rPr lang="de-DE" dirty="0"/>
+              <a:t>Safe </a:t>
+            </a:r>
+            <a:r>
+              <a:rPr lang="de-DE" dirty="0" err="1"/>
+              <a:t>opening</a:t>
+            </a:r>
+            <a:r>
+              <a:rPr lang="de-DE" dirty="0"/>
+              <a:t> </a:t>
+            </a:r>
+          </a:p>
+        </p:txBody>
+      </p:sp>
+      <p:sp>
+        <p:nvSpPr>
+          <p:cNvPr id="3" name="Inhaltsplatzhalter 2">
+            <a:extLst>
+              <a:ext uri="{FF2B5EF4-FFF2-40B4-BE49-F238E27FC236}">
+                <a16:creationId xmlns:a16="http://schemas.microsoft.com/office/drawing/2014/main" id="{16466BCB-DE0D-491C-BA8E-CA147BAAAA9C}"/>
+              </a:ext>
+            </a:extLst>
+          </p:cNvPr>
+          <p:cNvSpPr>
+            <a:spLocks noGrp="1"/>
+          </p:cNvSpPr>
+          <p:nvPr>
+            <p:ph idx="1"/>
+          </p:nvPr>
+        </p:nvSpPr>
+        <p:spPr/>
+        <p:txBody>
+          <a:bodyPr/>
+          <a:lstStyle/>
+          <a:p>
+            <a:endParaRPr lang="de-DE"/>
+          </a:p>
+        </p:txBody>
+      </p:sp>
+    </p:spTree>
+    <p:extLst>
+      <p:ext uri="{BB962C8B-B14F-4D97-AF65-F5344CB8AC3E}">
+        <p14:creationId xmlns:p14="http://schemas.microsoft.com/office/powerpoint/2010/main" val="3042059458"/>
+      </p:ext>
+    </p:extLst>
+  </p:cSld>
+  <p:clrMapOvr>
+    <a:masterClrMapping/>
+  </p:clrMapOvr>
+</p:sld>
+</file>
+
+<file path=ppt/slides/slide6.xml><?xml version="1.0" encoding="utf-8"?>
+<p:sld xmlns:a="http://schemas.openxmlformats.org/drawingml/2006/main" xmlns:r="http://schemas.openxmlformats.org/officeDocument/2006/relationships" xmlns:p="http://schemas.openxmlformats.org/presentationml/2006/main">
+  <p:cSld>
+    <p:spTree>
+      <p:nvGrpSpPr>
+        <p:cNvPr id="1" name=""/>
+        <p:cNvGrpSpPr/>
+        <p:nvPr/>
+      </p:nvGrpSpPr>
+      <p:grpSpPr>
+        <a:xfrm>
+          <a:off x="0" y="0"/>
+          <a:ext cx="0" cy="0"/>
+          <a:chOff x="0" y="0"/>
+          <a:chExt cx="0" cy="0"/>
+        </a:xfrm>
+      </p:grpSpPr>
+      <p:sp>
+        <p:nvSpPr>
+          <p:cNvPr id="2" name="Titel 1">
+            <a:extLst>
+              <a:ext uri="{FF2B5EF4-FFF2-40B4-BE49-F238E27FC236}">
+                <a16:creationId xmlns:a16="http://schemas.microsoft.com/office/drawing/2014/main" id="{1BC6683B-1D87-4206-95A3-B1F30DAA6609}"/>
+              </a:ext>
+            </a:extLst>
+          </p:cNvPr>
+          <p:cNvSpPr>
+            <a:spLocks noGrp="1"/>
+          </p:cNvSpPr>
+          <p:nvPr>
+            <p:ph type="title"/>
+          </p:nvPr>
+        </p:nvSpPr>
+        <p:spPr/>
+        <p:txBody>
+          <a:bodyPr/>
+          <a:lstStyle/>
+          <a:p>
+            <a:r>
+              <a:rPr lang="de-DE" dirty="0"/>
+              <a:t>Life Demo</a:t>
+            </a:r>
+          </a:p>
+        </p:txBody>
+      </p:sp>
+      <p:sp>
+        <p:nvSpPr>
+          <p:cNvPr id="3" name="Inhaltsplatzhalter 2">
+            <a:extLst>
+              <a:ext uri="{FF2B5EF4-FFF2-40B4-BE49-F238E27FC236}">
+                <a16:creationId xmlns:a16="http://schemas.microsoft.com/office/drawing/2014/main" id="{4F0014F7-77AB-49FE-9FB7-7B8A8AC7FF40}"/>
+              </a:ext>
+            </a:extLst>
+          </p:cNvPr>
+          <p:cNvSpPr>
+            <a:spLocks noGrp="1"/>
+          </p:cNvSpPr>
+          <p:nvPr>
+            <p:ph idx="1"/>
+          </p:nvPr>
+        </p:nvSpPr>
+        <p:spPr/>
+        <p:txBody>
+          <a:bodyPr/>
+          <a:lstStyle/>
+          <a:p>
+            <a:endParaRPr lang="de-DE"/>
+          </a:p>
+        </p:txBody>
+      </p:sp>
+    </p:spTree>
+    <p:extLst>
+      <p:ext uri="{BB962C8B-B14F-4D97-AF65-F5344CB8AC3E}">
+        <p14:creationId xmlns:p14="http://schemas.microsoft.com/office/powerpoint/2010/main" val="1795989105"/>
       </p:ext>
     </p:extLst>
   </p:cSld>
@@ -4009,6 +4767,21 @@
 </file>
 
 <file path=customXml/item1.xml><?xml version="1.0" encoding="utf-8"?>
+<p:properties xmlns:p="http://schemas.microsoft.com/office/2006/metadata/properties" xmlns:xsi="http://www.w3.org/2001/XMLSchema-instance" xmlns:pc="http://schemas.microsoft.com/office/infopath/2007/PartnerControls">
+  <documentManagement/>
+</p:properties>
+</file>
+
+<file path=customXml/item2.xml><?xml version="1.0" encoding="utf-8"?>
+<?mso-contentType ?>
+<FormTemplates xmlns="http://schemas.microsoft.com/sharepoint/v3/contenttype/forms">
+  <Display>DocumentLibraryForm</Display>
+  <Edit>DocumentLibraryForm</Edit>
+  <New>DocumentLibraryForm</New>
+</FormTemplates>
+</file>
+
+<file path=customXml/item3.xml><?xml version="1.0" encoding="utf-8"?>
 <ct:contentTypeSchema xmlns:ct="http://schemas.microsoft.com/office/2006/metadata/contentType" xmlns:ma="http://schemas.microsoft.com/office/2006/metadata/properties/metaAttributes" ct:_="" ma:_="" ma:contentTypeName="Dokument" ma:contentTypeID="0x01010096CEC22E3773434795C251AE7A2A3AF3" ma:contentTypeVersion="10" ma:contentTypeDescription="Ein neues Dokument erstellen." ma:contentTypeScope="" ma:versionID="65397ce14d7a8b4402c7647d1cf08478">
   <xsd:schema xmlns:xsd="http://www.w3.org/2001/XMLSchema" xmlns:xs="http://www.w3.org/2001/XMLSchema" xmlns:p="http://schemas.microsoft.com/office/2006/metadata/properties" xmlns:ns3="f972ba18-ccc8-4955-b289-0bc54377de53" xmlns:ns4="d4249747-c3d7-49ab-9e35-fd7df778cb62" targetNamespace="http://schemas.microsoft.com/office/2006/metadata/properties" ma:root="true" ma:fieldsID="29c48a8c4f0b000428d17fa057d69508" ns3:_="" ns4:_="">
     <xsd:import namespace="f972ba18-ccc8-4955-b289-0bc54377de53"/>
@@ -4211,22 +4984,24 @@
 </ct:contentTypeSchema>
 </file>
 
-<file path=customXml/item2.xml><?xml version="1.0" encoding="utf-8"?>
-<?mso-contentType ?>
-<FormTemplates xmlns="http://schemas.microsoft.com/sharepoint/v3/contenttype/forms">
-  <Display>DocumentLibraryForm</Display>
-  <Edit>DocumentLibraryForm</Edit>
-  <New>DocumentLibraryForm</New>
-</FormTemplates>
+<file path=customXml/itemProps1.xml><?xml version="1.0" encoding="utf-8"?>
+<ds:datastoreItem xmlns:ds="http://schemas.openxmlformats.org/officeDocument/2006/customXml" ds:itemID="{BEAF3ABC-07A8-4F57-8609-AB79DBDDBA6D}">
+  <ds:schemaRefs>
+    <ds:schemaRef ds:uri="http://schemas.microsoft.com/office/2006/metadata/properties"/>
+    <ds:schemaRef ds:uri="http://schemas.microsoft.com/office/infopath/2007/PartnerControls"/>
+  </ds:schemaRefs>
+</ds:datastoreItem>
 </file>
 
-<file path=customXml/item3.xml><?xml version="1.0" encoding="utf-8"?>
-<p:properties xmlns:p="http://schemas.microsoft.com/office/2006/metadata/properties" xmlns:xsi="http://www.w3.org/2001/XMLSchema-instance" xmlns:pc="http://schemas.microsoft.com/office/infopath/2007/PartnerControls">
-  <documentManagement/>
-</p:properties>
+<file path=customXml/itemProps2.xml><?xml version="1.0" encoding="utf-8"?>
+<ds:datastoreItem xmlns:ds="http://schemas.openxmlformats.org/officeDocument/2006/customXml" ds:itemID="{AB2D55EE-084F-4E50-B04F-77CB2D62813B}">
+  <ds:schemaRefs>
+    <ds:schemaRef ds:uri="http://schemas.microsoft.com/sharepoint/v3/contenttype/forms"/>
+  </ds:schemaRefs>
+</ds:datastoreItem>
 </file>
 
-<file path=customXml/itemProps1.xml><?xml version="1.0" encoding="utf-8"?>
+<file path=customXml/itemProps3.xml><?xml version="1.0" encoding="utf-8"?>
 <ds:datastoreItem xmlns:ds="http://schemas.openxmlformats.org/officeDocument/2006/customXml" ds:itemID="{213C8496-0892-4623-9435-44213C4579F2}">
   <ds:schemaRefs>
     <ds:schemaRef ds:uri="http://schemas.microsoft.com/office/2006/metadata/contentType"/>
@@ -4243,21 +5018,4 @@
     <ds:schemaRef ds:uri="http://schemas.microsoft.com/internal/obd"/>
   </ds:schemaRefs>
 </ds:datastoreItem>
-</file>
-
-<file path=customXml/itemProps2.xml><?xml version="1.0" encoding="utf-8"?>
-<ds:datastoreItem xmlns:ds="http://schemas.openxmlformats.org/officeDocument/2006/customXml" ds:itemID="{AB2D55EE-084F-4E50-B04F-77CB2D62813B}">
-  <ds:schemaRefs>
-    <ds:schemaRef ds:uri="http://schemas.microsoft.com/sharepoint/v3/contenttype/forms"/>
-  </ds:schemaRefs>
-</ds:datastoreItem>
-</file>
-
-<file path=customXml/itemProps3.xml><?xml version="1.0" encoding="utf-8"?>
-<ds:datastoreItem xmlns:ds="http://schemas.openxmlformats.org/officeDocument/2006/customXml" ds:itemID="{BEAF3ABC-07A8-4F57-8609-AB79DBDDBA6D}">
-  <ds:schemaRefs>
-    <ds:schemaRef ds:uri="http://schemas.microsoft.com/office/2006/metadata/properties"/>
-    <ds:schemaRef ds:uri="http://schemas.microsoft.com/office/infopath/2007/PartnerControls"/>
-  </ds:schemaRefs>
-</ds:datastoreItem>
 </file>
--- a/FinalPresentation.pptx
+++ b/FinalPresentation.pptx
@@ -9,8 +9,9 @@
     <p:sldId id="260" r:id="rId6"/>
     <p:sldId id="261" r:id="rId7"/>
     <p:sldId id="262" r:id="rId8"/>
-    <p:sldId id="264" r:id="rId9"/>
-    <p:sldId id="263" r:id="rId10"/>
+    <p:sldId id="265" r:id="rId9"/>
+    <p:sldId id="264" r:id="rId10"/>
+    <p:sldId id="263" r:id="rId11"/>
   </p:sldIdLst>
   <p:sldSz cx="12192000" cy="6858000"/>
   <p:notesSz cx="6858000" cy="9144000"/>
@@ -121,12 +122,135 @@
 <p1510:revInfo xmlns:a="http://schemas.openxmlformats.org/drawingml/2006/main" xmlns:r="http://schemas.openxmlformats.org/officeDocument/2006/relationships" xmlns:p1510="http://schemas.microsoft.com/office/powerpoint/2015/10/main">
   <p1510:revLst>
     <p1510:client id="{2EEAA0BF-6729-41C4-9972-E4984054A3A9}" v="10" dt="2020-02-13T14:36:59.142"/>
+    <p1510:client id="{62F3F445-F8E1-472B-B2E8-1A1D5BB95AF4}" v="7" dt="2020-02-14T09:42:54.830"/>
   </p1510:revLst>
 </p1510:revInfo>
 </file>
 
 <file path=ppt/changesInfos/changesInfo1.xml><?xml version="1.0" encoding="utf-8"?>
 <pc:chgInfo xmlns:a="http://schemas.openxmlformats.org/drawingml/2006/main" xmlns:r="http://schemas.openxmlformats.org/officeDocument/2006/relationships" xmlns:ac="http://schemas.microsoft.com/office/drawing/2013/main/command" xmlns:pc="http://schemas.microsoft.com/office/powerpoint/2013/main/command">
+  <pc:docChgLst>
+    <pc:chgData name="Florian Bregler" userId="509c3410-11d6-49f1-b320-97c10c7ffd0c" providerId="ADAL" clId="{62F3F445-F8E1-472B-B2E8-1A1D5BB95AF4}"/>
+    <pc:docChg chg="undo custSel addSld delSld modSld">
+      <pc:chgData name="Florian Bregler" userId="509c3410-11d6-49f1-b320-97c10c7ffd0c" providerId="ADAL" clId="{62F3F445-F8E1-472B-B2E8-1A1D5BB95AF4}" dt="2020-02-14T10:06:01.698" v="99" actId="20577"/>
+      <pc:docMkLst>
+        <pc:docMk/>
+      </pc:docMkLst>
+      <pc:sldChg chg="modSp">
+        <pc:chgData name="Florian Bregler" userId="509c3410-11d6-49f1-b320-97c10c7ffd0c" providerId="ADAL" clId="{62F3F445-F8E1-472B-B2E8-1A1D5BB95AF4}" dt="2020-02-14T09:21:18.631" v="4" actId="20577"/>
+        <pc:sldMkLst>
+          <pc:docMk/>
+          <pc:sldMk cId="548060570" sldId="256"/>
+        </pc:sldMkLst>
+        <pc:spChg chg="mod">
+          <ac:chgData name="Florian Bregler" userId="509c3410-11d6-49f1-b320-97c10c7ffd0c" providerId="ADAL" clId="{62F3F445-F8E1-472B-B2E8-1A1D5BB95AF4}" dt="2020-02-14T09:21:18.631" v="4" actId="20577"/>
+          <ac:spMkLst>
+            <pc:docMk/>
+            <pc:sldMk cId="548060570" sldId="256"/>
+            <ac:spMk id="2" creationId="{EDE4644E-F7D8-421B-90AC-6ACCA9EF27DE}"/>
+          </ac:spMkLst>
+        </pc:spChg>
+      </pc:sldChg>
+      <pc:sldChg chg="modSp">
+        <pc:chgData name="Florian Bregler" userId="509c3410-11d6-49f1-b320-97c10c7ffd0c" providerId="ADAL" clId="{62F3F445-F8E1-472B-B2E8-1A1D5BB95AF4}" dt="2020-02-14T09:46:58.437" v="73" actId="20577"/>
+        <pc:sldMkLst>
+          <pc:docMk/>
+          <pc:sldMk cId="4216624362" sldId="260"/>
+        </pc:sldMkLst>
+        <pc:spChg chg="mod">
+          <ac:chgData name="Florian Bregler" userId="509c3410-11d6-49f1-b320-97c10c7ffd0c" providerId="ADAL" clId="{62F3F445-F8E1-472B-B2E8-1A1D5BB95AF4}" dt="2020-02-14T09:46:58.437" v="73" actId="20577"/>
+          <ac:spMkLst>
+            <pc:docMk/>
+            <pc:sldMk cId="4216624362" sldId="260"/>
+            <ac:spMk id="3" creationId="{8A026B3F-6E3C-402A-8DA7-61346B8EEA51}"/>
+          </ac:spMkLst>
+        </pc:spChg>
+      </pc:sldChg>
+      <pc:sldChg chg="modSp">
+        <pc:chgData name="Florian Bregler" userId="509c3410-11d6-49f1-b320-97c10c7ffd0c" providerId="ADAL" clId="{62F3F445-F8E1-472B-B2E8-1A1D5BB95AF4}" dt="2020-02-14T10:05:26.808" v="97" actId="20577"/>
+        <pc:sldMkLst>
+          <pc:docMk/>
+          <pc:sldMk cId="1775831043" sldId="261"/>
+        </pc:sldMkLst>
+        <pc:spChg chg="mod">
+          <ac:chgData name="Florian Bregler" userId="509c3410-11d6-49f1-b320-97c10c7ffd0c" providerId="ADAL" clId="{62F3F445-F8E1-472B-B2E8-1A1D5BB95AF4}" dt="2020-02-14T10:05:26.808" v="97" actId="20577"/>
+          <ac:spMkLst>
+            <pc:docMk/>
+            <pc:sldMk cId="1775831043" sldId="261"/>
+            <ac:spMk id="3" creationId="{B9E25A9C-CC1C-408C-B18F-F32C9EE59B24}"/>
+          </ac:spMkLst>
+        </pc:spChg>
+      </pc:sldChg>
+      <pc:sldChg chg="modSp">
+        <pc:chgData name="Florian Bregler" userId="509c3410-11d6-49f1-b320-97c10c7ffd0c" providerId="ADAL" clId="{62F3F445-F8E1-472B-B2E8-1A1D5BB95AF4}" dt="2020-02-14T10:06:01.698" v="99" actId="20577"/>
+        <pc:sldMkLst>
+          <pc:docMk/>
+          <pc:sldMk cId="1795989105" sldId="263"/>
+        </pc:sldMkLst>
+        <pc:spChg chg="mod">
+          <ac:chgData name="Florian Bregler" userId="509c3410-11d6-49f1-b320-97c10c7ffd0c" providerId="ADAL" clId="{62F3F445-F8E1-472B-B2E8-1A1D5BB95AF4}" dt="2020-02-14T10:06:01.698" v="99" actId="20577"/>
+          <ac:spMkLst>
+            <pc:docMk/>
+            <pc:sldMk cId="1795989105" sldId="263"/>
+            <ac:spMk id="2" creationId="{1BC6683B-1D87-4206-95A3-B1F30DAA6609}"/>
+          </ac:spMkLst>
+        </pc:spChg>
+      </pc:sldChg>
+      <pc:sldChg chg="addSp delSp modSp add">
+        <pc:chgData name="Florian Bregler" userId="509c3410-11d6-49f1-b320-97c10c7ffd0c" providerId="ADAL" clId="{62F3F445-F8E1-472B-B2E8-1A1D5BB95AF4}" dt="2020-02-14T09:43:15.519" v="27" actId="1076"/>
+        <pc:sldMkLst>
+          <pc:docMk/>
+          <pc:sldMk cId="1521347590" sldId="265"/>
+        </pc:sldMkLst>
+        <pc:spChg chg="mod">
+          <ac:chgData name="Florian Bregler" userId="509c3410-11d6-49f1-b320-97c10c7ffd0c" providerId="ADAL" clId="{62F3F445-F8E1-472B-B2E8-1A1D5BB95AF4}" dt="2020-02-14T09:21:46.943" v="6"/>
+          <ac:spMkLst>
+            <pc:docMk/>
+            <pc:sldMk cId="1521347590" sldId="265"/>
+            <ac:spMk id="2" creationId="{84AB678F-8FB5-469C-933F-83EBD08EF215}"/>
+          </ac:spMkLst>
+        </pc:spChg>
+        <pc:spChg chg="del">
+          <ac:chgData name="Florian Bregler" userId="509c3410-11d6-49f1-b320-97c10c7ffd0c" providerId="ADAL" clId="{62F3F445-F8E1-472B-B2E8-1A1D5BB95AF4}" dt="2020-02-14T09:22:00.971" v="7" actId="931"/>
+          <ac:spMkLst>
+            <pc:docMk/>
+            <pc:sldMk cId="1521347590" sldId="265"/>
+            <ac:spMk id="3" creationId="{CA26EF01-ECE1-41D6-93B2-C1C5E1E394F6}"/>
+          </ac:spMkLst>
+        </pc:spChg>
+        <pc:picChg chg="add mod">
+          <ac:chgData name="Florian Bregler" userId="509c3410-11d6-49f1-b320-97c10c7ffd0c" providerId="ADAL" clId="{62F3F445-F8E1-472B-B2E8-1A1D5BB95AF4}" dt="2020-02-14T09:43:15.519" v="27" actId="1076"/>
+          <ac:picMkLst>
+            <pc:docMk/>
+            <pc:sldMk cId="1521347590" sldId="265"/>
+            <ac:picMk id="5" creationId="{24749505-DA26-4F8E-BD52-3026DFF738F5}"/>
+          </ac:picMkLst>
+        </pc:picChg>
+      </pc:sldChg>
+      <pc:sldChg chg="add del">
+        <pc:chgData name="Florian Bregler" userId="509c3410-11d6-49f1-b320-97c10c7ffd0c" providerId="ADAL" clId="{62F3F445-F8E1-472B-B2E8-1A1D5BB95AF4}" dt="2020-02-14T09:41:51.081" v="22" actId="47"/>
+        <pc:sldMkLst>
+          <pc:docMk/>
+          <pc:sldMk cId="3329305672" sldId="266"/>
+        </pc:sldMkLst>
+      </pc:sldChg>
+      <pc:sldChg chg="modSp add del">
+        <pc:chgData name="Florian Bregler" userId="509c3410-11d6-49f1-b320-97c10c7ffd0c" providerId="ADAL" clId="{62F3F445-F8E1-472B-B2E8-1A1D5BB95AF4}" dt="2020-02-14T09:43:08.633" v="26" actId="2696"/>
+        <pc:sldMkLst>
+          <pc:docMk/>
+          <pc:sldMk cId="432112074" sldId="267"/>
+        </pc:sldMkLst>
+        <pc:picChg chg="mod">
+          <ac:chgData name="Florian Bregler" userId="509c3410-11d6-49f1-b320-97c10c7ffd0c" providerId="ADAL" clId="{62F3F445-F8E1-472B-B2E8-1A1D5BB95AF4}" dt="2020-02-14T09:42:59.766" v="25" actId="1076"/>
+          <ac:picMkLst>
+            <pc:docMk/>
+            <pc:sldMk cId="432112074" sldId="267"/>
+            <ac:picMk id="5" creationId="{24749505-DA26-4F8E-BD52-3026DFF738F5}"/>
+          </ac:picMkLst>
+        </pc:picChg>
+      </pc:sldChg>
+    </pc:docChg>
+  </pc:docChgLst>
   <pc:docChgLst>
     <pc:chgData name="Florian Bregler" userId="509c3410-11d6-49f1-b320-97c10c7ffd0c" providerId="ADAL" clId="{2EEAA0BF-6729-41C4-9972-E4984054A3A9}"/>
     <pc:docChg chg="undo custSel addSld delSld modSld">
@@ -461,7 +585,7 @@
           <a:p>
             <a:fld id="{E75E63A9-2161-4722-99DC-7BF271D2A380}" type="datetimeFigureOut">
               <a:rPr lang="de-DE" smtClean="0"/>
-              <a:t>13.02.2020</a:t>
+              <a:t>14.02.2020</a:t>
             </a:fld>
             <a:endParaRPr lang="de-DE"/>
           </a:p>
@@ -659,7 +783,7 @@
           <a:p>
             <a:fld id="{E75E63A9-2161-4722-99DC-7BF271D2A380}" type="datetimeFigureOut">
               <a:rPr lang="de-DE" smtClean="0"/>
-              <a:t>13.02.2020</a:t>
+              <a:t>14.02.2020</a:t>
             </a:fld>
             <a:endParaRPr lang="de-DE"/>
           </a:p>
@@ -867,7 +991,7 @@
           <a:p>
             <a:fld id="{E75E63A9-2161-4722-99DC-7BF271D2A380}" type="datetimeFigureOut">
               <a:rPr lang="de-DE" smtClean="0"/>
-              <a:t>13.02.2020</a:t>
+              <a:t>14.02.2020</a:t>
             </a:fld>
             <a:endParaRPr lang="de-DE"/>
           </a:p>
@@ -1065,7 +1189,7 @@
           <a:p>
             <a:fld id="{E75E63A9-2161-4722-99DC-7BF271D2A380}" type="datetimeFigureOut">
               <a:rPr lang="de-DE" smtClean="0"/>
-              <a:t>13.02.2020</a:t>
+              <a:t>14.02.2020</a:t>
             </a:fld>
             <a:endParaRPr lang="de-DE"/>
           </a:p>
@@ -1340,7 +1464,7 @@
           <a:p>
             <a:fld id="{E75E63A9-2161-4722-99DC-7BF271D2A380}" type="datetimeFigureOut">
               <a:rPr lang="de-DE" smtClean="0"/>
-              <a:t>13.02.2020</a:t>
+              <a:t>14.02.2020</a:t>
             </a:fld>
             <a:endParaRPr lang="de-DE"/>
           </a:p>
@@ -1605,7 +1729,7 @@
           <a:p>
             <a:fld id="{E75E63A9-2161-4722-99DC-7BF271D2A380}" type="datetimeFigureOut">
               <a:rPr lang="de-DE" smtClean="0"/>
-              <a:t>13.02.2020</a:t>
+              <a:t>14.02.2020</a:t>
             </a:fld>
             <a:endParaRPr lang="de-DE"/>
           </a:p>
@@ -2017,7 +2141,7 @@
           <a:p>
             <a:fld id="{E75E63A9-2161-4722-99DC-7BF271D2A380}" type="datetimeFigureOut">
               <a:rPr lang="de-DE" smtClean="0"/>
-              <a:t>13.02.2020</a:t>
+              <a:t>14.02.2020</a:t>
             </a:fld>
             <a:endParaRPr lang="de-DE"/>
           </a:p>
@@ -2158,7 +2282,7 @@
           <a:p>
             <a:fld id="{E75E63A9-2161-4722-99DC-7BF271D2A380}" type="datetimeFigureOut">
               <a:rPr lang="de-DE" smtClean="0"/>
-              <a:t>13.02.2020</a:t>
+              <a:t>14.02.2020</a:t>
             </a:fld>
             <a:endParaRPr lang="de-DE"/>
           </a:p>
@@ -2271,7 +2395,7 @@
           <a:p>
             <a:fld id="{E75E63A9-2161-4722-99DC-7BF271D2A380}" type="datetimeFigureOut">
               <a:rPr lang="de-DE" smtClean="0"/>
-              <a:t>13.02.2020</a:t>
+              <a:t>14.02.2020</a:t>
             </a:fld>
             <a:endParaRPr lang="de-DE"/>
           </a:p>
@@ -2582,7 +2706,7 @@
           <a:p>
             <a:fld id="{E75E63A9-2161-4722-99DC-7BF271D2A380}" type="datetimeFigureOut">
               <a:rPr lang="de-DE" smtClean="0"/>
-              <a:t>13.02.2020</a:t>
+              <a:t>14.02.2020</a:t>
             </a:fld>
             <a:endParaRPr lang="de-DE"/>
           </a:p>
@@ -2870,7 +2994,7 @@
           <a:p>
             <a:fld id="{E75E63A9-2161-4722-99DC-7BF271D2A380}" type="datetimeFigureOut">
               <a:rPr lang="de-DE" smtClean="0"/>
-              <a:t>13.02.2020</a:t>
+              <a:t>14.02.2020</a:t>
             </a:fld>
             <a:endParaRPr lang="de-DE"/>
           </a:p>
@@ -3111,7 +3235,7 @@
           <a:p>
             <a:fld id="{E75E63A9-2161-4722-99DC-7BF271D2A380}" type="datetimeFigureOut">
               <a:rPr lang="de-DE" smtClean="0"/>
-              <a:t>13.02.2020</a:t>
+              <a:t>14.02.2020</a:t>
             </a:fld>
             <a:endParaRPr lang="de-DE"/>
           </a:p>
@@ -3665,7 +3789,23 @@
           <a:p>
             <a:r>
               <a:rPr lang="de-DE" dirty="0"/>
-              <a:t>Main Goal:</a:t>
+              <a:t>Main </a:t>
+            </a:r>
+            <a:r>
+              <a:rPr lang="de-DE" dirty="0" err="1"/>
+              <a:t>story</a:t>
+            </a:r>
+            <a:r>
+              <a:rPr lang="de-DE" dirty="0"/>
+              <a:t> </a:t>
+            </a:r>
+            <a:r>
+              <a:rPr lang="de-DE" dirty="0" err="1"/>
+              <a:t>goal</a:t>
+            </a:r>
+            <a:r>
+              <a:rPr lang="de-DE" dirty="0"/>
+              <a:t>:</a:t>
             </a:r>
           </a:p>
           <a:p>
@@ -3718,20 +3858,44 @@
             </a:r>
           </a:p>
           <a:p>
+            <a:pPr marL="0" indent="0">
+              <a:buNone/>
+            </a:pPr>
             <a:endParaRPr lang="de-DE" dirty="0"/>
           </a:p>
           <a:p>
+            <a:pPr marL="0" indent="0">
+              <a:buNone/>
+            </a:pPr>
+            <a:endParaRPr lang="de-DE" dirty="0"/>
+          </a:p>
+          <a:p>
+            <a:r>
+              <a:rPr lang="de-DE" dirty="0"/>
+              <a:t>Safe:</a:t>
+            </a:r>
+          </a:p>
+          <a:p>
+            <a:pPr marL="457200" lvl="1" indent="0">
+              <a:buNone/>
+            </a:pPr>
+            <a:r>
+              <a:rPr lang="de-DE" dirty="0"/>
+              <a:t>Open </a:t>
+            </a:r>
             <a:r>
               <a:rPr lang="de-DE" dirty="0" err="1"/>
-              <a:t>Role</a:t>
+              <a:t>safe</a:t>
             </a:r>
             <a:r>
               <a:rPr lang="de-DE" dirty="0"/>
               <a:t> </a:t>
             </a:r>
             <a:r>
-              <a:rPr lang="de-DE" dirty="0" err="1"/>
-              <a:t>of</a:t>
+              <a:rPr lang="de-DE" dirty="0">
+                <a:sym typeface="Wingdings" panose="05000000000000000000" pitchFamily="2" charset="2"/>
+              </a:rPr>
+              <a:t></a:t>
             </a:r>
             <a:r>
               <a:rPr lang="de-DE" dirty="0"/>
@@ -3739,86 +3903,7 @@
             </a:r>
             <a:r>
               <a:rPr lang="de-DE" dirty="0" err="1"/>
-              <a:t>the</a:t>
-            </a:r>
-            <a:r>
-              <a:rPr lang="de-DE" dirty="0"/>
-              <a:t> </a:t>
-            </a:r>
-            <a:r>
-              <a:rPr lang="de-DE" dirty="0" err="1"/>
-              <a:t>safe</a:t>
-            </a:r>
-            <a:r>
-              <a:rPr lang="de-DE" dirty="0"/>
-              <a:t>:</a:t>
-            </a:r>
-          </a:p>
-          <a:p>
-            <a:pPr marL="457200" lvl="1" indent="0">
-              <a:buNone/>
-            </a:pPr>
-            <a:r>
-              <a:rPr lang="de-DE" dirty="0"/>
-              <a:t>Power </a:t>
-            </a:r>
-            <a:r>
-              <a:rPr lang="de-DE" dirty="0" err="1"/>
-              <a:t>the</a:t>
-            </a:r>
-            <a:r>
-              <a:rPr lang="de-DE" dirty="0"/>
-              <a:t> </a:t>
-            </a:r>
-            <a:r>
-              <a:rPr lang="de-DE" dirty="0" err="1"/>
-              <a:t>safe</a:t>
-            </a:r>
-            <a:r>
-              <a:rPr lang="de-DE" dirty="0"/>
-              <a:t> </a:t>
-            </a:r>
-            <a:r>
-              <a:rPr lang="de-DE" dirty="0" err="1"/>
-              <a:t>for</a:t>
-            </a:r>
-            <a:r>
-              <a:rPr lang="de-DE" dirty="0"/>
-              <a:t> </a:t>
-            </a:r>
-            <a:r>
-              <a:rPr lang="de-DE" dirty="0" err="1"/>
-              <a:t>activation</a:t>
-            </a:r>
-            <a:endParaRPr lang="de-DE" dirty="0"/>
-          </a:p>
-          <a:p>
-            <a:pPr marL="457200" lvl="1" indent="0">
-              <a:buNone/>
-            </a:pPr>
-            <a:r>
-              <a:rPr lang="de-DE" dirty="0"/>
-              <a:t>Open </a:t>
-            </a:r>
-            <a:r>
-              <a:rPr lang="de-DE" dirty="0" err="1"/>
-              <a:t>safe</a:t>
-            </a:r>
-            <a:r>
-              <a:rPr lang="de-DE" dirty="0"/>
-              <a:t> </a:t>
-            </a:r>
-            <a:r>
-              <a:rPr lang="de-DE" dirty="0" err="1"/>
-              <a:t>to</a:t>
-            </a:r>
-            <a:r>
-              <a:rPr lang="de-DE" dirty="0"/>
-              <a:t> </a:t>
-            </a:r>
-            <a:r>
-              <a:rPr lang="de-DE" dirty="0" err="1"/>
-              <a:t>get</a:t>
+              <a:t>Get</a:t>
             </a:r>
             <a:r>
               <a:rPr lang="de-DE" dirty="0"/>
@@ -3933,7 +4018,15 @@
             </a:r>
             <a:r>
               <a:rPr lang="de-DE" dirty="0"/>
-              <a:t> Parts:</a:t>
+              <a:t> </a:t>
+            </a:r>
+            <a:r>
+              <a:rPr lang="de-DE" dirty="0" err="1"/>
+              <a:t>parts</a:t>
+            </a:r>
+            <a:r>
+              <a:rPr lang="de-DE" dirty="0"/>
+              <a:t>:</a:t>
             </a:r>
           </a:p>
           <a:p>
@@ -3971,18 +4064,18 @@
             </a:r>
             <a:r>
               <a:rPr lang="de-DE" dirty="0" err="1"/>
-              <a:t>Divider</a:t>
+              <a:t>divider</a:t>
             </a:r>
             <a:r>
               <a:rPr lang="de-DE" dirty="0"/>
-              <a:t> Puzzle</a:t>
+              <a:t> puzzle</a:t>
             </a:r>
           </a:p>
           <a:p>
             <a:pPr lvl="1"/>
             <a:r>
               <a:rPr lang="de-DE" dirty="0"/>
-              <a:t>Switch Puzzle</a:t>
+              <a:t>Switch puzzle</a:t>
             </a:r>
           </a:p>
           <a:p>
@@ -4014,11 +4107,11 @@
             </a:r>
             <a:r>
               <a:rPr lang="de-DE" dirty="0" err="1"/>
-              <a:t>Combination</a:t>
+              <a:t>combination</a:t>
             </a:r>
             <a:r>
               <a:rPr lang="de-DE" dirty="0"/>
-              <a:t> Puzzle</a:t>
+              <a:t> puzzle</a:t>
             </a:r>
           </a:p>
         </p:txBody>
@@ -4319,7 +4412,7 @@
           <p:cNvPr id="2" name="Titel 1">
             <a:extLst>
               <a:ext uri="{FF2B5EF4-FFF2-40B4-BE49-F238E27FC236}">
-                <a16:creationId xmlns:a16="http://schemas.microsoft.com/office/drawing/2014/main" id="{241279CC-4877-4690-B76C-7059D824E3F2}"/>
+                <a16:creationId xmlns:a16="http://schemas.microsoft.com/office/drawing/2014/main" id="{84AB678F-8FB5-469C-933F-83EBD08EF215}"/>
               </a:ext>
             </a:extLst>
           </p:cNvPr>
@@ -4341,44 +4434,50 @@
             </a:r>
             <a:r>
               <a:rPr lang="de-DE" dirty="0" err="1"/>
-              <a:t>opening</a:t>
-            </a:r>
-            <a:r>
-              <a:rPr lang="de-DE" dirty="0"/>
-              <a:t> </a:t>
-            </a:r>
-          </a:p>
-        </p:txBody>
-      </p:sp>
-      <p:sp>
-        <p:nvSpPr>
-          <p:cNvPr id="3" name="Inhaltsplatzhalter 2">
-            <a:extLst>
-              <a:ext uri="{FF2B5EF4-FFF2-40B4-BE49-F238E27FC236}">
-                <a16:creationId xmlns:a16="http://schemas.microsoft.com/office/drawing/2014/main" id="{16466BCB-DE0D-491C-BA8E-CA147BAAAA9C}"/>
-              </a:ext>
-            </a:extLst>
-          </p:cNvPr>
-          <p:cNvSpPr>
-            <a:spLocks noGrp="1"/>
-          </p:cNvSpPr>
+              <a:t>activation</a:t>
+            </a:r>
+            <a:endParaRPr lang="de-DE" dirty="0"/>
+          </a:p>
+        </p:txBody>
+      </p:sp>
+      <p:pic>
+        <p:nvPicPr>
+          <p:cNvPr id="5" name="Inhaltsplatzhalter 4">
+            <a:extLst>
+              <a:ext uri="{FF2B5EF4-FFF2-40B4-BE49-F238E27FC236}">
+                <a16:creationId xmlns:a16="http://schemas.microsoft.com/office/drawing/2014/main" id="{24749505-DA26-4F8E-BD52-3026DFF738F5}"/>
+              </a:ext>
+            </a:extLst>
+          </p:cNvPr>
+          <p:cNvPicPr>
+            <a:picLocks noGrp="1" noChangeAspect="1"/>
+          </p:cNvPicPr>
           <p:nvPr>
             <p:ph idx="1"/>
           </p:nvPr>
-        </p:nvSpPr>
-        <p:spPr/>
-        <p:txBody>
-          <a:bodyPr/>
-          <a:lstStyle/>
-          <a:p>
-            <a:endParaRPr lang="de-DE"/>
-          </a:p>
-        </p:txBody>
-      </p:sp>
+        </p:nvPicPr>
+        <p:blipFill>
+          <a:blip r:embed="rId2">
+            <a:extLst>
+              <a:ext uri="{28A0092B-C50C-407E-A947-70E740481C1C}">
+                <a14:useLocalDpi xmlns:a14="http://schemas.microsoft.com/office/drawing/2010/main" val="0"/>
+              </a:ext>
+            </a:extLst>
+          </a:blip>
+          <a:srcRect/>
+          <a:stretch/>
+        </p:blipFill>
+        <p:spPr>
+          <a:xfrm>
+            <a:off x="6096000" y="666457"/>
+            <a:ext cx="4203765" cy="5826418"/>
+          </a:xfrm>
+        </p:spPr>
+      </p:pic>
     </p:spTree>
     <p:extLst>
       <p:ext uri="{BB962C8B-B14F-4D97-AF65-F5344CB8AC3E}">
-        <p14:creationId xmlns:p14="http://schemas.microsoft.com/office/powerpoint/2010/main" val="3042059458"/>
+        <p14:creationId xmlns:p14="http://schemas.microsoft.com/office/powerpoint/2010/main" val="1521347590"/>
       </p:ext>
     </p:extLst>
   </p:cSld>
@@ -4410,6 +4509,97 @@
           <p:cNvPr id="2" name="Titel 1">
             <a:extLst>
               <a:ext uri="{FF2B5EF4-FFF2-40B4-BE49-F238E27FC236}">
+                <a16:creationId xmlns:a16="http://schemas.microsoft.com/office/drawing/2014/main" id="{241279CC-4877-4690-B76C-7059D824E3F2}"/>
+              </a:ext>
+            </a:extLst>
+          </p:cNvPr>
+          <p:cNvSpPr>
+            <a:spLocks noGrp="1"/>
+          </p:cNvSpPr>
+          <p:nvPr>
+            <p:ph type="title"/>
+          </p:nvPr>
+        </p:nvSpPr>
+        <p:spPr/>
+        <p:txBody>
+          <a:bodyPr/>
+          <a:lstStyle/>
+          <a:p>
+            <a:r>
+              <a:rPr lang="de-DE" dirty="0"/>
+              <a:t>Safe </a:t>
+            </a:r>
+            <a:r>
+              <a:rPr lang="de-DE" dirty="0" err="1"/>
+              <a:t>opening</a:t>
+            </a:r>
+            <a:r>
+              <a:rPr lang="de-DE" dirty="0"/>
+              <a:t> </a:t>
+            </a:r>
+          </a:p>
+        </p:txBody>
+      </p:sp>
+      <p:sp>
+        <p:nvSpPr>
+          <p:cNvPr id="3" name="Inhaltsplatzhalter 2">
+            <a:extLst>
+              <a:ext uri="{FF2B5EF4-FFF2-40B4-BE49-F238E27FC236}">
+                <a16:creationId xmlns:a16="http://schemas.microsoft.com/office/drawing/2014/main" id="{16466BCB-DE0D-491C-BA8E-CA147BAAAA9C}"/>
+              </a:ext>
+            </a:extLst>
+          </p:cNvPr>
+          <p:cNvSpPr>
+            <a:spLocks noGrp="1"/>
+          </p:cNvSpPr>
+          <p:nvPr>
+            <p:ph idx="1"/>
+          </p:nvPr>
+        </p:nvSpPr>
+        <p:spPr/>
+        <p:txBody>
+          <a:bodyPr/>
+          <a:lstStyle/>
+          <a:p>
+            <a:endParaRPr lang="de-DE"/>
+          </a:p>
+        </p:txBody>
+      </p:sp>
+    </p:spTree>
+    <p:extLst>
+      <p:ext uri="{BB962C8B-B14F-4D97-AF65-F5344CB8AC3E}">
+        <p14:creationId xmlns:p14="http://schemas.microsoft.com/office/powerpoint/2010/main" val="3042059458"/>
+      </p:ext>
+    </p:extLst>
+  </p:cSld>
+  <p:clrMapOvr>
+    <a:masterClrMapping/>
+  </p:clrMapOvr>
+</p:sld>
+</file>
+
+<file path=ppt/slides/slide7.xml><?xml version="1.0" encoding="utf-8"?>
+<p:sld xmlns:a="http://schemas.openxmlformats.org/drawingml/2006/main" xmlns:r="http://schemas.openxmlformats.org/officeDocument/2006/relationships" xmlns:p="http://schemas.openxmlformats.org/presentationml/2006/main">
+  <p:cSld>
+    <p:spTree>
+      <p:nvGrpSpPr>
+        <p:cNvPr id="1" name=""/>
+        <p:cNvGrpSpPr/>
+        <p:nvPr/>
+      </p:nvGrpSpPr>
+      <p:grpSpPr>
+        <a:xfrm>
+          <a:off x="0" y="0"/>
+          <a:ext cx="0" cy="0"/>
+          <a:chOff x="0" y="0"/>
+          <a:chExt cx="0" cy="0"/>
+        </a:xfrm>
+      </p:grpSpPr>
+      <p:sp>
+        <p:nvSpPr>
+          <p:cNvPr id="2" name="Titel 1">
+            <a:extLst>
+              <a:ext uri="{FF2B5EF4-FFF2-40B4-BE49-F238E27FC236}">
                 <a16:creationId xmlns:a16="http://schemas.microsoft.com/office/drawing/2014/main" id="{1BC6683B-1D87-4206-95A3-B1F30DAA6609}"/>
               </a:ext>
             </a:extLst>
@@ -4428,8 +4618,13 @@
           <a:p>
             <a:r>
               <a:rPr lang="de-DE" dirty="0"/>
-              <a:t>Life Demo</a:t>
-            </a:r>
+              <a:t>Live </a:t>
+            </a:r>
+            <a:r>
+              <a:rPr lang="de-DE" dirty="0" err="1"/>
+              <a:t>demo</a:t>
+            </a:r>
+            <a:endParaRPr lang="de-DE" dirty="0"/>
           </a:p>
         </p:txBody>
       </p:sp>
@@ -4767,21 +4962,6 @@
 </file>
 
 <file path=customXml/item1.xml><?xml version="1.0" encoding="utf-8"?>
-<p:properties xmlns:p="http://schemas.microsoft.com/office/2006/metadata/properties" xmlns:xsi="http://www.w3.org/2001/XMLSchema-instance" xmlns:pc="http://schemas.microsoft.com/office/infopath/2007/PartnerControls">
-  <documentManagement/>
-</p:properties>
-</file>
-
-<file path=customXml/item2.xml><?xml version="1.0" encoding="utf-8"?>
-<?mso-contentType ?>
-<FormTemplates xmlns="http://schemas.microsoft.com/sharepoint/v3/contenttype/forms">
-  <Display>DocumentLibraryForm</Display>
-  <Edit>DocumentLibraryForm</Edit>
-  <New>DocumentLibraryForm</New>
-</FormTemplates>
-</file>
-
-<file path=customXml/item3.xml><?xml version="1.0" encoding="utf-8"?>
 <ct:contentTypeSchema xmlns:ct="http://schemas.microsoft.com/office/2006/metadata/contentType" xmlns:ma="http://schemas.microsoft.com/office/2006/metadata/properties/metaAttributes" ct:_="" ma:_="" ma:contentTypeName="Dokument" ma:contentTypeID="0x01010096CEC22E3773434795C251AE7A2A3AF3" ma:contentTypeVersion="10" ma:contentTypeDescription="Ein neues Dokument erstellen." ma:contentTypeScope="" ma:versionID="65397ce14d7a8b4402c7647d1cf08478">
   <xsd:schema xmlns:xsd="http://www.w3.org/2001/XMLSchema" xmlns:xs="http://www.w3.org/2001/XMLSchema" xmlns:p="http://schemas.microsoft.com/office/2006/metadata/properties" xmlns:ns3="f972ba18-ccc8-4955-b289-0bc54377de53" xmlns:ns4="d4249747-c3d7-49ab-9e35-fd7df778cb62" targetNamespace="http://schemas.microsoft.com/office/2006/metadata/properties" ma:root="true" ma:fieldsID="29c48a8c4f0b000428d17fa057d69508" ns3:_="" ns4:_="">
     <xsd:import namespace="f972ba18-ccc8-4955-b289-0bc54377de53"/>
@@ -4984,24 +5164,22 @@
 </ct:contentTypeSchema>
 </file>
 
-<file path=customXml/itemProps1.xml><?xml version="1.0" encoding="utf-8"?>
-<ds:datastoreItem xmlns:ds="http://schemas.openxmlformats.org/officeDocument/2006/customXml" ds:itemID="{BEAF3ABC-07A8-4F57-8609-AB79DBDDBA6D}">
-  <ds:schemaRefs>
-    <ds:schemaRef ds:uri="http://schemas.microsoft.com/office/2006/metadata/properties"/>
-    <ds:schemaRef ds:uri="http://schemas.microsoft.com/office/infopath/2007/PartnerControls"/>
-  </ds:schemaRefs>
-</ds:datastoreItem>
+<file path=customXml/item2.xml><?xml version="1.0" encoding="utf-8"?>
+<?mso-contentType ?>
+<FormTemplates xmlns="http://schemas.microsoft.com/sharepoint/v3/contenttype/forms">
+  <Display>DocumentLibraryForm</Display>
+  <Edit>DocumentLibraryForm</Edit>
+  <New>DocumentLibraryForm</New>
+</FormTemplates>
 </file>
 
-<file path=customXml/itemProps2.xml><?xml version="1.0" encoding="utf-8"?>
-<ds:datastoreItem xmlns:ds="http://schemas.openxmlformats.org/officeDocument/2006/customXml" ds:itemID="{AB2D55EE-084F-4E50-B04F-77CB2D62813B}">
-  <ds:schemaRefs>
-    <ds:schemaRef ds:uri="http://schemas.microsoft.com/sharepoint/v3/contenttype/forms"/>
-  </ds:schemaRefs>
-</ds:datastoreItem>
+<file path=customXml/item3.xml><?xml version="1.0" encoding="utf-8"?>
+<p:properties xmlns:p="http://schemas.microsoft.com/office/2006/metadata/properties" xmlns:xsi="http://www.w3.org/2001/XMLSchema-instance" xmlns:pc="http://schemas.microsoft.com/office/infopath/2007/PartnerControls">
+  <documentManagement/>
+</p:properties>
 </file>
 
-<file path=customXml/itemProps3.xml><?xml version="1.0" encoding="utf-8"?>
+<file path=customXml/itemProps1.xml><?xml version="1.0" encoding="utf-8"?>
 <ds:datastoreItem xmlns:ds="http://schemas.openxmlformats.org/officeDocument/2006/customXml" ds:itemID="{213C8496-0892-4623-9435-44213C4579F2}">
   <ds:schemaRefs>
     <ds:schemaRef ds:uri="http://schemas.microsoft.com/office/2006/metadata/contentType"/>
@@ -5018,4 +5196,21 @@
     <ds:schemaRef ds:uri="http://schemas.microsoft.com/internal/obd"/>
   </ds:schemaRefs>
 </ds:datastoreItem>
+</file>
+
+<file path=customXml/itemProps2.xml><?xml version="1.0" encoding="utf-8"?>
+<ds:datastoreItem xmlns:ds="http://schemas.openxmlformats.org/officeDocument/2006/customXml" ds:itemID="{AB2D55EE-084F-4E50-B04F-77CB2D62813B}">
+  <ds:schemaRefs>
+    <ds:schemaRef ds:uri="http://schemas.microsoft.com/sharepoint/v3/contenttype/forms"/>
+  </ds:schemaRefs>
+</ds:datastoreItem>
+</file>
+
+<file path=customXml/itemProps3.xml><?xml version="1.0" encoding="utf-8"?>
+<ds:datastoreItem xmlns:ds="http://schemas.openxmlformats.org/officeDocument/2006/customXml" ds:itemID="{BEAF3ABC-07A8-4F57-8609-AB79DBDDBA6D}">
+  <ds:schemaRefs>
+    <ds:schemaRef ds:uri="http://schemas.microsoft.com/office/2006/metadata/properties"/>
+    <ds:schemaRef ds:uri="http://schemas.microsoft.com/office/infopath/2007/PartnerControls"/>
+  </ds:schemaRefs>
+</ds:datastoreItem>
 </file>